--- a/PatronesDeDiseño.pptx
+++ b/PatronesDeDiseño.pptx
@@ -5,19 +5,21 @@
     <p:sldMasterId id="2147483648" r:id="rId4"/>
   </p:sldMasterIdLst>
   <p:notesMasterIdLst>
-    <p:notesMasterId r:id="rId12"/>
+    <p:notesMasterId r:id="rId14"/>
   </p:notesMasterIdLst>
   <p:handoutMasterIdLst>
-    <p:handoutMasterId r:id="rId13"/>
+    <p:handoutMasterId r:id="rId15"/>
   </p:handoutMasterIdLst>
   <p:sldIdLst>
     <p:sldId id="260" r:id="rId5"/>
     <p:sldId id="266" r:id="rId6"/>
     <p:sldId id="261" r:id="rId7"/>
     <p:sldId id="262" r:id="rId8"/>
-    <p:sldId id="263" r:id="rId9"/>
-    <p:sldId id="264" r:id="rId10"/>
-    <p:sldId id="265" r:id="rId11"/>
+    <p:sldId id="268" r:id="rId9"/>
+    <p:sldId id="263" r:id="rId10"/>
+    <p:sldId id="264" r:id="rId11"/>
+    <p:sldId id="265" r:id="rId12"/>
+    <p:sldId id="267" r:id="rId13"/>
   </p:sldIdLst>
   <p:sldSz cx="12192000" cy="6858000"/>
   <p:notesSz cx="6858000" cy="9144000"/>
@@ -131,8 +133,9 @@
 <p1510:revInfo xmlns:a="http://schemas.openxmlformats.org/drawingml/2006/main" xmlns:r="http://schemas.openxmlformats.org/officeDocument/2006/relationships" xmlns:p1510="http://schemas.microsoft.com/office/powerpoint/2015/10/main">
   <p1510:revLst>
     <p1510:client id="{3119D565-1542-2D07-1BD8-011B3C0D5E6D}" v="321" dt="2024-01-14T21:20:43.586"/>
-    <p1510:client id="{76E9022D-D677-43EE-B5F1-A28053661E62}" v="226" dt="2024-01-14T21:27:15.727"/>
+    <p1510:client id="{76E9022D-D677-43EE-B5F1-A28053661E62}" v="227" dt="2024-01-15T14:23:17.554"/>
     <p1510:client id="{800F35C2-02F4-29C0-76AB-D265723A9BE0}" v="124" dt="2024-01-14T21:31:33.685"/>
+    <p1510:client id="{AA48B1A0-B8E2-22E7-00BC-02FB078D1627}" v="65" dt="2024-01-15T04:35:18.676"/>
   </p1510:revLst>
 </p1510:revInfo>
 </file>
@@ -140,75 +143,51 @@
 <file path=ppt/changesInfos/changesInfo1.xml><?xml version="1.0" encoding="utf-8"?>
 <pc:chgInfo xmlns:a="http://schemas.openxmlformats.org/drawingml/2006/main" xmlns:r="http://schemas.openxmlformats.org/officeDocument/2006/relationships" xmlns:ac="http://schemas.microsoft.com/office/drawing/2013/main/command" xmlns:pc="http://schemas.microsoft.com/office/powerpoint/2013/main/command">
   <pc:docChgLst>
-    <pc:chgData name="Usuario invitado" userId="S::urn:spo:anon#0ae5581f3a5979a6de6c20ba19dcec1f41cfdabc96f412b45d1e6b09d07bd9a3::" providerId="AD" clId="Web-{3119D565-1542-2D07-1BD8-011B3C0D5E6D}"/>
+    <pc:chgData name="Usuario invitado" userId="S::urn:spo:anon#0ae5581f3a5979a6de6c20ba19dcec1f41cfdabc96f412b45d1e6b09d07bd9a3::" providerId="AD" clId="Web-{800F35C2-02F4-29C0-76AB-D265723A9BE0}"/>
     <pc:docChg chg="modSld">
-      <pc:chgData name="Usuario invitado" userId="S::urn:spo:anon#0ae5581f3a5979a6de6c20ba19dcec1f41cfdabc96f412b45d1e6b09d07bd9a3::" providerId="AD" clId="Web-{3119D565-1542-2D07-1BD8-011B3C0D5E6D}" dt="2024-01-14T21:20:43.586" v="321"/>
+      <pc:chgData name="Usuario invitado" userId="S::urn:spo:anon#0ae5581f3a5979a6de6c20ba19dcec1f41cfdabc96f412b45d1e6b09d07bd9a3::" providerId="AD" clId="Web-{800F35C2-02F4-29C0-76AB-D265723A9BE0}" dt="2024-01-14T21:31:33.685" v="120"/>
       <pc:docMkLst>
         <pc:docMk/>
       </pc:docMkLst>
-      <pc:sldChg chg="addSp delSp modSp">
-        <pc:chgData name="Usuario invitado" userId="S::urn:spo:anon#0ae5581f3a5979a6de6c20ba19dcec1f41cfdabc96f412b45d1e6b09d07bd9a3::" providerId="AD" clId="Web-{3119D565-1542-2D07-1BD8-011B3C0D5E6D}" dt="2024-01-14T21:01:43.780" v="92" actId="1076"/>
+      <pc:sldChg chg="modSp">
+        <pc:chgData name="Usuario invitado" userId="S::urn:spo:anon#0ae5581f3a5979a6de6c20ba19dcec1f41cfdabc96f412b45d1e6b09d07bd9a3::" providerId="AD" clId="Web-{800F35C2-02F4-29C0-76AB-D265723A9BE0}" dt="2024-01-14T21:26:01.828" v="52"/>
         <pc:sldMkLst>
           <pc:docMk/>
-          <pc:sldMk cId="990684553" sldId="257"/>
+          <pc:sldMk cId="3224130044" sldId="261"/>
         </pc:sldMkLst>
         <pc:spChg chg="mod">
-          <ac:chgData name="Usuario invitado" userId="S::urn:spo:anon#0ae5581f3a5979a6de6c20ba19dcec1f41cfdabc96f412b45d1e6b09d07bd9a3::" providerId="AD" clId="Web-{3119D565-1542-2D07-1BD8-011B3C0D5E6D}" dt="2024-01-14T20:58:53.962" v="9" actId="1076"/>
+          <ac:chgData name="Usuario invitado" userId="S::urn:spo:anon#0ae5581f3a5979a6de6c20ba19dcec1f41cfdabc96f412b45d1e6b09d07bd9a3::" providerId="AD" clId="Web-{800F35C2-02F4-29C0-76AB-D265723A9BE0}" dt="2024-01-14T21:25:57.156" v="51"/>
           <ac:spMkLst>
             <pc:docMk/>
-            <pc:sldMk cId="990684553" sldId="257"/>
-            <ac:spMk id="2" creationId="{C7492CCE-C435-464E-A19A-D4C606FDBE3D}"/>
+            <pc:sldMk cId="3224130044" sldId="261"/>
+            <ac:spMk id="2" creationId="{CF1FD5CC-5E43-2B65-BC50-D2547875F256}"/>
           </ac:spMkLst>
         </pc:spChg>
-        <pc:spChg chg="add del mod">
-          <ac:chgData name="Usuario invitado" userId="S::urn:spo:anon#0ae5581f3a5979a6de6c20ba19dcec1f41cfdabc96f412b45d1e6b09d07bd9a3::" providerId="AD" clId="Web-{3119D565-1542-2D07-1BD8-011B3C0D5E6D}" dt="2024-01-14T21:01:38.295" v="91" actId="1076"/>
+        <pc:spChg chg="mod">
+          <ac:chgData name="Usuario invitado" userId="S::urn:spo:anon#0ae5581f3a5979a6de6c20ba19dcec1f41cfdabc96f412b45d1e6b09d07bd9a3::" providerId="AD" clId="Web-{800F35C2-02F4-29C0-76AB-D265723A9BE0}" dt="2024-01-14T21:26:01.828" v="52"/>
           <ac:spMkLst>
             <pc:docMk/>
-            <pc:sldMk cId="990684553" sldId="257"/>
-            <ac:spMk id="3" creationId="{60DFF4FA-F598-4962-B6AB-31A8BE724E52}"/>
-          </ac:spMkLst>
-        </pc:spChg>
-        <pc:spChg chg="add mod">
-          <ac:chgData name="Usuario invitado" userId="S::urn:spo:anon#0ae5581f3a5979a6de6c20ba19dcec1f41cfdabc96f412b45d1e6b09d07bd9a3::" providerId="AD" clId="Web-{3119D565-1542-2D07-1BD8-011B3C0D5E6D}" dt="2024-01-14T21:01:43.780" v="92" actId="1076"/>
-          <ac:spMkLst>
-            <pc:docMk/>
-            <pc:sldMk cId="990684553" sldId="257"/>
-            <ac:spMk id="5" creationId="{75E721A5-9028-FEA2-8538-A8FFA4C1A2C0}"/>
+            <pc:sldMk cId="3224130044" sldId="261"/>
+            <ac:spMk id="3" creationId="{690F796F-DD9F-5080-39E4-78E450FEA0C8}"/>
           </ac:spMkLst>
         </pc:spChg>
       </pc:sldChg>
-      <pc:sldChg chg="addSp delSp modSp">
-        <pc:chgData name="Usuario invitado" userId="S::urn:spo:anon#0ae5581f3a5979a6de6c20ba19dcec1f41cfdabc96f412b45d1e6b09d07bd9a3::" providerId="AD" clId="Web-{3119D565-1542-2D07-1BD8-011B3C0D5E6D}" dt="2024-01-14T21:19:15.740" v="302" actId="1076"/>
+      <pc:sldChg chg="modSp">
+        <pc:chgData name="Usuario invitado" userId="S::urn:spo:anon#0ae5581f3a5979a6de6c20ba19dcec1f41cfdabc96f412b45d1e6b09d07bd9a3::" providerId="AD" clId="Web-{800F35C2-02F4-29C0-76AB-D265723A9BE0}" dt="2024-01-14T21:31:33.685" v="120"/>
         <pc:sldMkLst>
           <pc:docMk/>
           <pc:sldMk cId="3582762670" sldId="262"/>
         </pc:sldMkLst>
         <pc:spChg chg="mod">
-          <ac:chgData name="Usuario invitado" userId="S::urn:spo:anon#0ae5581f3a5979a6de6c20ba19dcec1f41cfdabc96f412b45d1e6b09d07bd9a3::" providerId="AD" clId="Web-{3119D565-1542-2D07-1BD8-011B3C0D5E6D}" dt="2024-01-14T21:17:04.550" v="271"/>
+          <ac:chgData name="Usuario invitado" userId="S::urn:spo:anon#0ae5581f3a5979a6de6c20ba19dcec1f41cfdabc96f412b45d1e6b09d07bd9a3::" providerId="AD" clId="Web-{800F35C2-02F4-29C0-76AB-D265723A9BE0}" dt="2024-01-14T21:25:45.312" v="49" actId="1076"/>
           <ac:spMkLst>
             <pc:docMk/>
             <pc:sldMk cId="3582762670" sldId="262"/>
             <ac:spMk id="2" creationId="{893D36A4-36A7-F80A-4032-EF4CDC56E582}"/>
           </ac:spMkLst>
         </pc:spChg>
-        <pc:spChg chg="add del mod">
-          <ac:chgData name="Usuario invitado" userId="S::urn:spo:anon#0ae5581f3a5979a6de6c20ba19dcec1f41cfdabc96f412b45d1e6b09d07bd9a3::" providerId="AD" clId="Web-{3119D565-1542-2D07-1BD8-011B3C0D5E6D}" dt="2024-01-14T21:13:07.388" v="189"/>
-          <ac:spMkLst>
-            <pc:docMk/>
-            <pc:sldMk cId="3582762670" sldId="262"/>
-            <ac:spMk id="5" creationId="{995B85B0-7683-AD7A-61E9-441A7B757026}"/>
-          </ac:spMkLst>
-        </pc:spChg>
-        <pc:spChg chg="add del">
-          <ac:chgData name="Usuario invitado" userId="S::urn:spo:anon#0ae5581f3a5979a6de6c20ba19dcec1f41cfdabc96f412b45d1e6b09d07bd9a3::" providerId="AD" clId="Web-{3119D565-1542-2D07-1BD8-011B3C0D5E6D}" dt="2024-01-14T21:12:47.919" v="184"/>
-          <ac:spMkLst>
-            <pc:docMk/>
-            <pc:sldMk cId="3582762670" sldId="262"/>
-            <ac:spMk id="7" creationId="{4C048632-0E09-E26F-38F5-894D48BF2843}"/>
-          </ac:spMkLst>
-        </pc:spChg>
-        <pc:spChg chg="add mod">
-          <ac:chgData name="Usuario invitado" userId="S::urn:spo:anon#0ae5581f3a5979a6de6c20ba19dcec1f41cfdabc96f412b45d1e6b09d07bd9a3::" providerId="AD" clId="Web-{3119D565-1542-2D07-1BD8-011B3C0D5E6D}" dt="2024-01-14T21:19:15.740" v="302" actId="1076"/>
+        <pc:spChg chg="mod">
+          <ac:chgData name="Usuario invitado" userId="S::urn:spo:anon#0ae5581f3a5979a6de6c20ba19dcec1f41cfdabc96f412b45d1e6b09d07bd9a3::" providerId="AD" clId="Web-{800F35C2-02F4-29C0-76AB-D265723A9BE0}" dt="2024-01-14T21:31:33.685" v="120"/>
           <ac:spMkLst>
             <pc:docMk/>
             <pc:sldMk cId="3582762670" sldId="262"/>
@@ -217,81 +196,182 @@
         </pc:spChg>
       </pc:sldChg>
       <pc:sldChg chg="addSp delSp modSp">
-        <pc:chgData name="Usuario invitado" userId="S::urn:spo:anon#0ae5581f3a5979a6de6c20ba19dcec1f41cfdabc96f412b45d1e6b09d07bd9a3::" providerId="AD" clId="Web-{3119D565-1542-2D07-1BD8-011B3C0D5E6D}" dt="2024-01-14T21:20:43.586" v="321"/>
+        <pc:chgData name="Usuario invitado" userId="S::urn:spo:anon#0ae5581f3a5979a6de6c20ba19dcec1f41cfdabc96f412b45d1e6b09d07bd9a3::" providerId="AD" clId="Web-{800F35C2-02F4-29C0-76AB-D265723A9BE0}" dt="2024-01-14T21:24:26.731" v="24" actId="1076"/>
         <pc:sldMkLst>
           <pc:docMk/>
           <pc:sldMk cId="1755737927" sldId="263"/>
         </pc:sldMkLst>
-        <pc:spChg chg="mod">
-          <ac:chgData name="Usuario invitado" userId="S::urn:spo:anon#0ae5581f3a5979a6de6c20ba19dcec1f41cfdabc96f412b45d1e6b09d07bd9a3::" providerId="AD" clId="Web-{3119D565-1542-2D07-1BD8-011B3C0D5E6D}" dt="2024-01-14T21:19:35.038" v="304"/>
+        <pc:spChg chg="add mod">
+          <ac:chgData name="Usuario invitado" userId="S::urn:spo:anon#0ae5581f3a5979a6de6c20ba19dcec1f41cfdabc96f412b45d1e6b09d07bd9a3::" providerId="AD" clId="Web-{800F35C2-02F4-29C0-76AB-D265723A9BE0}" dt="2024-01-14T21:23:35.663" v="21" actId="1076"/>
           <ac:spMkLst>
             <pc:docMk/>
             <pc:sldMk cId="1755737927" sldId="263"/>
-            <ac:spMk id="2" creationId="{858B58AA-8369-D29E-DAED-D30620E5AA4A}"/>
+            <ac:spMk id="4" creationId="{40221D21-2094-CFF7-B4AB-4401162C818A}"/>
           </ac:spMkLst>
         </pc:spChg>
-        <pc:spChg chg="add del mod">
-          <ac:chgData name="Usuario invitado" userId="S::urn:spo:anon#0ae5581f3a5979a6de6c20ba19dcec1f41cfdabc96f412b45d1e6b09d07bd9a3::" providerId="AD" clId="Web-{3119D565-1542-2D07-1BD8-011B3C0D5E6D}" dt="2024-01-14T21:20:35.320" v="320"/>
-          <ac:spMkLst>
-            <pc:docMk/>
-            <pc:sldMk cId="1755737927" sldId="263"/>
-            <ac:spMk id="4" creationId="{D390B23F-B973-C140-681E-E685EDD40173}"/>
-          </ac:spMkLst>
-        </pc:spChg>
-        <pc:spChg chg="add">
-          <ac:chgData name="Usuario invitado" userId="S::urn:spo:anon#0ae5581f3a5979a6de6c20ba19dcec1f41cfdabc96f412b45d1e6b09d07bd9a3::" providerId="AD" clId="Web-{3119D565-1542-2D07-1BD8-011B3C0D5E6D}" dt="2024-01-14T21:20:43.586" v="321"/>
+        <pc:spChg chg="del mod">
+          <ac:chgData name="Usuario invitado" userId="S::urn:spo:anon#0ae5581f3a5979a6de6c20ba19dcec1f41cfdabc96f412b45d1e6b09d07bd9a3::" providerId="AD" clId="Web-{800F35C2-02F4-29C0-76AB-D265723A9BE0}" dt="2024-01-14T21:22:36.661" v="3"/>
           <ac:spMkLst>
             <pc:docMk/>
             <pc:sldMk cId="1755737927" sldId="263"/>
             <ac:spMk id="6" creationId="{2E59BDE1-F2B3-9F70-4AC3-3888B5833B95}"/>
           </ac:spMkLst>
         </pc:spChg>
+        <pc:spChg chg="add mod">
+          <ac:chgData name="Usuario invitado" userId="S::urn:spo:anon#0ae5581f3a5979a6de6c20ba19dcec1f41cfdabc96f412b45d1e6b09d07bd9a3::" providerId="AD" clId="Web-{800F35C2-02F4-29C0-76AB-D265723A9BE0}" dt="2024-01-14T21:24:26.731" v="24" actId="1076"/>
+          <ac:spMkLst>
+            <pc:docMk/>
+            <pc:sldMk cId="1755737927" sldId="263"/>
+            <ac:spMk id="7" creationId="{F5459E38-D720-D8DF-0E65-117085073A15}"/>
+          </ac:spMkLst>
+        </pc:spChg>
+      </pc:sldChg>
+      <pc:sldChg chg="modSp">
+        <pc:chgData name="Usuario invitado" userId="S::urn:spo:anon#0ae5581f3a5979a6de6c20ba19dcec1f41cfdabc96f412b45d1e6b09d07bd9a3::" providerId="AD" clId="Web-{800F35C2-02F4-29C0-76AB-D265723A9BE0}" dt="2024-01-14T21:24:59.576" v="26"/>
+        <pc:sldMkLst>
+          <pc:docMk/>
+          <pc:sldMk cId="4032170155" sldId="264"/>
+        </pc:sldMkLst>
+        <pc:spChg chg="mod">
+          <ac:chgData name="Usuario invitado" userId="S::urn:spo:anon#0ae5581f3a5979a6de6c20ba19dcec1f41cfdabc96f412b45d1e6b09d07bd9a3::" providerId="AD" clId="Web-{800F35C2-02F4-29C0-76AB-D265723A9BE0}" dt="2024-01-14T21:24:56.826" v="25"/>
+          <ac:spMkLst>
+            <pc:docMk/>
+            <pc:sldMk cId="4032170155" sldId="264"/>
+            <ac:spMk id="2" creationId="{0D5AC413-BB23-8DDC-56A9-1BEA3C32725F}"/>
+          </ac:spMkLst>
+        </pc:spChg>
+        <pc:spChg chg="mod">
+          <ac:chgData name="Usuario invitado" userId="S::urn:spo:anon#0ae5581f3a5979a6de6c20ba19dcec1f41cfdabc96f412b45d1e6b09d07bd9a3::" providerId="AD" clId="Web-{800F35C2-02F4-29C0-76AB-D265723A9BE0}" dt="2024-01-14T21:24:59.576" v="26"/>
+          <ac:spMkLst>
+            <pc:docMk/>
+            <pc:sldMk cId="4032170155" sldId="264"/>
+            <ac:spMk id="3" creationId="{D5C57F13-20F2-47E1-4961-A4AD5D116A38}"/>
+          </ac:spMkLst>
+        </pc:spChg>
       </pc:sldChg>
       <pc:sldChg chg="addSp delSp modSp">
-        <pc:chgData name="Usuario invitado" userId="S::urn:spo:anon#0ae5581f3a5979a6de6c20ba19dcec1f41cfdabc96f412b45d1e6b09d07bd9a3::" providerId="AD" clId="Web-{3119D565-1542-2D07-1BD8-011B3C0D5E6D}" dt="2024-01-14T21:06:19.614" v="178"/>
+        <pc:chgData name="Usuario invitado" userId="S::urn:spo:anon#0ae5581f3a5979a6de6c20ba19dcec1f41cfdabc96f412b45d1e6b09d07bd9a3::" providerId="AD" clId="Web-{800F35C2-02F4-29C0-76AB-D265723A9BE0}" dt="2024-01-14T21:26:50.408" v="60" actId="20577"/>
+        <pc:sldMkLst>
+          <pc:docMk/>
+          <pc:sldMk cId="2844237330" sldId="265"/>
+        </pc:sldMkLst>
+        <pc:spChg chg="del">
+          <ac:chgData name="Usuario invitado" userId="S::urn:spo:anon#0ae5581f3a5979a6de6c20ba19dcec1f41cfdabc96f412b45d1e6b09d07bd9a3::" providerId="AD" clId="Web-{800F35C2-02F4-29C0-76AB-D265723A9BE0}" dt="2024-01-14T21:25:16.655" v="27"/>
+          <ac:spMkLst>
+            <pc:docMk/>
+            <pc:sldMk cId="2844237330" sldId="265"/>
+            <ac:spMk id="2" creationId="{CF54A3DD-EBC3-EB56-2473-3355848132BF}"/>
+          </ac:spMkLst>
+        </pc:spChg>
+        <pc:spChg chg="add del mod">
+          <ac:chgData name="Usuario invitado" userId="S::urn:spo:anon#0ae5581f3a5979a6de6c20ba19dcec1f41cfdabc96f412b45d1e6b09d07bd9a3::" providerId="AD" clId="Web-{800F35C2-02F4-29C0-76AB-D265723A9BE0}" dt="2024-01-14T21:25:20.967" v="29"/>
+          <ac:spMkLst>
+            <pc:docMk/>
+            <pc:sldMk cId="2844237330" sldId="265"/>
+            <ac:spMk id="4" creationId="{C5FD7668-1E01-33B1-B73C-0953F0EE871C}"/>
+          </ac:spMkLst>
+        </pc:spChg>
+        <pc:spChg chg="add mod">
+          <ac:chgData name="Usuario invitado" userId="S::urn:spo:anon#0ae5581f3a5979a6de6c20ba19dcec1f41cfdabc96f412b45d1e6b09d07bd9a3::" providerId="AD" clId="Web-{800F35C2-02F4-29C0-76AB-D265723A9BE0}" dt="2024-01-14T21:26:11.266" v="54" actId="1076"/>
+          <ac:spMkLst>
+            <pc:docMk/>
+            <pc:sldMk cId="2844237330" sldId="265"/>
+            <ac:spMk id="6" creationId="{AD15A267-9B1D-1981-54EC-4A5A2ACF3F42}"/>
+          </ac:spMkLst>
+        </pc:spChg>
+        <pc:spChg chg="add mod">
+          <ac:chgData name="Usuario invitado" userId="S::urn:spo:anon#0ae5581f3a5979a6de6c20ba19dcec1f41cfdabc96f412b45d1e6b09d07bd9a3::" providerId="AD" clId="Web-{800F35C2-02F4-29C0-76AB-D265723A9BE0}" dt="2024-01-14T21:26:50.408" v="60" actId="20577"/>
+          <ac:spMkLst>
+            <pc:docMk/>
+            <pc:sldMk cId="2844237330" sldId="265"/>
+            <ac:spMk id="8" creationId="{F8C0DEE2-87B8-5A8D-49BE-B415928568CB}"/>
+          </ac:spMkLst>
+        </pc:spChg>
+      </pc:sldChg>
+      <pc:sldChg chg="modSp">
+        <pc:chgData name="Usuario invitado" userId="S::urn:spo:anon#0ae5581f3a5979a6de6c20ba19dcec1f41cfdabc96f412b45d1e6b09d07bd9a3::" providerId="AD" clId="Web-{800F35C2-02F4-29C0-76AB-D265723A9BE0}" dt="2024-01-14T21:22:27.801" v="1" actId="1076"/>
         <pc:sldMkLst>
           <pc:docMk/>
           <pc:sldMk cId="1817671035" sldId="266"/>
         </pc:sldMkLst>
         <pc:spChg chg="mod">
-          <ac:chgData name="Usuario invitado" userId="S::urn:spo:anon#0ae5581f3a5979a6de6c20ba19dcec1f41cfdabc96f412b45d1e6b09d07bd9a3::" providerId="AD" clId="Web-{3119D565-1542-2D07-1BD8-011B3C0D5E6D}" dt="2024-01-14T21:05:52.285" v="175" actId="1076"/>
-          <ac:spMkLst>
-            <pc:docMk/>
-            <pc:sldMk cId="1817671035" sldId="266"/>
-            <ac:spMk id="2" creationId="{5EF5CF57-B19F-EDBA-433B-AA96BFFC3CCE}"/>
-          </ac:spMkLst>
-        </pc:spChg>
-        <pc:spChg chg="mod">
-          <ac:chgData name="Usuario invitado" userId="S::urn:spo:anon#0ae5581f3a5979a6de6c20ba19dcec1f41cfdabc96f412b45d1e6b09d07bd9a3::" providerId="AD" clId="Web-{3119D565-1542-2D07-1BD8-011B3C0D5E6D}" dt="2024-01-14T21:05:35.316" v="172" actId="20577"/>
+          <ac:chgData name="Usuario invitado" userId="S::urn:spo:anon#0ae5581f3a5979a6de6c20ba19dcec1f41cfdabc96f412b45d1e6b09d07bd9a3::" providerId="AD" clId="Web-{800F35C2-02F4-29C0-76AB-D265723A9BE0}" dt="2024-01-14T21:22:27.801" v="1" actId="1076"/>
           <ac:spMkLst>
             <pc:docMk/>
             <pc:sldMk cId="1817671035" sldId="266"/>
             <ac:spMk id="3" creationId="{EE26354C-0416-6E6F-5EB4-7FAC837511E9}"/>
           </ac:spMkLst>
         </pc:spChg>
-        <pc:spChg chg="add mod">
-          <ac:chgData name="Usuario invitado" userId="S::urn:spo:anon#0ae5581f3a5979a6de6c20ba19dcec1f41cfdabc96f412b45d1e6b09d07bd9a3::" providerId="AD" clId="Web-{3119D565-1542-2D07-1BD8-011B3C0D5E6D}" dt="2024-01-14T21:05:45.238" v="174" actId="1076"/>
+      </pc:sldChg>
+    </pc:docChg>
+  </pc:docChgLst>
+  <pc:docChgLst>
+    <pc:chgData name="Usuario invitado" userId="S::urn:spo:anon#0ae5581f3a5979a6de6c20ba19dcec1f41cfdabc96f412b45d1e6b09d07bd9a3::" providerId="AD" clId="Web-{AA48B1A0-B8E2-22E7-00BC-02FB078D1627}"/>
+    <pc:docChg chg="addSld modSld">
+      <pc:chgData name="Usuario invitado" userId="S::urn:spo:anon#0ae5581f3a5979a6de6c20ba19dcec1f41cfdabc96f412b45d1e6b09d07bd9a3::" providerId="AD" clId="Web-{AA48B1A0-B8E2-22E7-00BC-02FB078D1627}" dt="2024-01-15T04:35:18.676" v="63" actId="20577"/>
+      <pc:docMkLst>
+        <pc:docMk/>
+      </pc:docMkLst>
+      <pc:sldChg chg="addSp modSp new">
+        <pc:chgData name="Usuario invitado" userId="S::urn:spo:anon#0ae5581f3a5979a6de6c20ba19dcec1f41cfdabc96f412b45d1e6b09d07bd9a3::" providerId="AD" clId="Web-{AA48B1A0-B8E2-22E7-00BC-02FB078D1627}" dt="2024-01-15T04:34:58.675" v="60" actId="20577"/>
+        <pc:sldMkLst>
+          <pc:docMk/>
+          <pc:sldMk cId="3581299962" sldId="267"/>
+        </pc:sldMkLst>
+        <pc:spChg chg="mod">
+          <ac:chgData name="Usuario invitado" userId="S::urn:spo:anon#0ae5581f3a5979a6de6c20ba19dcec1f41cfdabc96f412b45d1e6b09d07bd9a3::" providerId="AD" clId="Web-{AA48B1A0-B8E2-22E7-00BC-02FB078D1627}" dt="2024-01-15T01:15:08.306" v="33"/>
           <ac:spMkLst>
             <pc:docMk/>
-            <pc:sldMk cId="1817671035" sldId="266"/>
-            <ac:spMk id="5" creationId="{290D017A-3A27-313E-359C-7EDEAEBDF8D7}"/>
+            <pc:sldMk cId="3581299962" sldId="267"/>
+            <ac:spMk id="2" creationId="{13855475-C72E-C456-CBE8-52C051450228}"/>
           </ac:spMkLst>
         </pc:spChg>
-        <pc:picChg chg="add del mod">
-          <ac:chgData name="Usuario invitado" userId="S::urn:spo:anon#0ae5581f3a5979a6de6c20ba19dcec1f41cfdabc96f412b45d1e6b09d07bd9a3::" providerId="AD" clId="Web-{3119D565-1542-2D07-1BD8-011B3C0D5E6D}" dt="2024-01-14T21:06:19.614" v="178"/>
-          <ac:picMkLst>
+        <pc:spChg chg="add mod">
+          <ac:chgData name="Usuario invitado" userId="S::urn:spo:anon#0ae5581f3a5979a6de6c20ba19dcec1f41cfdabc96f412b45d1e6b09d07bd9a3::" providerId="AD" clId="Web-{AA48B1A0-B8E2-22E7-00BC-02FB078D1627}" dt="2024-01-15T04:34:58.675" v="60" actId="20577"/>
+          <ac:spMkLst>
             <pc:docMk/>
-            <pc:sldMk cId="1817671035" sldId="266"/>
-            <ac:picMk id="6" creationId="{6EE13ADF-4686-209C-750E-B1CAC3938488}"/>
-          </ac:picMkLst>
-        </pc:picChg>
+            <pc:sldMk cId="3581299962" sldId="267"/>
+            <ac:spMk id="4" creationId="{8A6BCDF0-F7AA-5E9F-A80A-43F00E851C7B}"/>
+          </ac:spMkLst>
+        </pc:spChg>
+      </pc:sldChg>
+      <pc:sldChg chg="addSp delSp modSp new">
+        <pc:chgData name="Usuario invitado" userId="S::urn:spo:anon#0ae5581f3a5979a6de6c20ba19dcec1f41cfdabc96f412b45d1e6b09d07bd9a3::" providerId="AD" clId="Web-{AA48B1A0-B8E2-22E7-00BC-02FB078D1627}" dt="2024-01-15T04:35:18.676" v="63" actId="20577"/>
+        <pc:sldMkLst>
+          <pc:docMk/>
+          <pc:sldMk cId="2696183822" sldId="268"/>
+        </pc:sldMkLst>
+        <pc:spChg chg="del">
+          <ac:chgData name="Usuario invitado" userId="S::urn:spo:anon#0ae5581f3a5979a6de6c20ba19dcec1f41cfdabc96f412b45d1e6b09d07bd9a3::" providerId="AD" clId="Web-{AA48B1A0-B8E2-22E7-00BC-02FB078D1627}" dt="2024-01-15T04:30:07.120" v="36"/>
+          <ac:spMkLst>
+            <pc:docMk/>
+            <pc:sldMk cId="2696183822" sldId="268"/>
+            <ac:spMk id="2" creationId="{EC6CE605-515B-BE36-EB45-4824647FD013}"/>
+          </ac:spMkLst>
+        </pc:spChg>
+        <pc:spChg chg="add mod">
+          <ac:chgData name="Usuario invitado" userId="S::urn:spo:anon#0ae5581f3a5979a6de6c20ba19dcec1f41cfdabc96f412b45d1e6b09d07bd9a3::" providerId="AD" clId="Web-{AA48B1A0-B8E2-22E7-00BC-02FB078D1627}" dt="2024-01-15T04:33:44.267" v="53" actId="1076"/>
+          <ac:spMkLst>
+            <pc:docMk/>
+            <pc:sldMk cId="2696183822" sldId="268"/>
+            <ac:spMk id="4" creationId="{F8ED9E36-4CC7-F274-BC7C-4814C413999B}"/>
+          </ac:spMkLst>
+        </pc:spChg>
+        <pc:spChg chg="add mod">
+          <ac:chgData name="Usuario invitado" userId="S::urn:spo:anon#0ae5581f3a5979a6de6c20ba19dcec1f41cfdabc96f412b45d1e6b09d07bd9a3::" providerId="AD" clId="Web-{AA48B1A0-B8E2-22E7-00BC-02FB078D1627}" dt="2024-01-15T04:35:18.676" v="63" actId="20577"/>
+          <ac:spMkLst>
+            <pc:docMk/>
+            <pc:sldMk cId="2696183822" sldId="268"/>
+            <ac:spMk id="6" creationId="{A126177D-0B4D-38BB-2822-AB69975A7FBB}"/>
+          </ac:spMkLst>
+        </pc:spChg>
       </pc:sldChg>
     </pc:docChg>
   </pc:docChgLst>
   <pc:docChgLst>
     <pc:chgData name="JEFFRY ALBERTO ARAYA CHAVES" userId="6204f2de-3132-4215-9d9b-32db2b4020cb" providerId="ADAL" clId="{76E9022D-D677-43EE-B5F1-A28053661E62}"/>
     <pc:docChg chg="undo redo custSel addSld delSld modSld modMainMaster">
-      <pc:chgData name="JEFFRY ALBERTO ARAYA CHAVES" userId="6204f2de-3132-4215-9d9b-32db2b4020cb" providerId="ADAL" clId="{76E9022D-D677-43EE-B5F1-A28053661E62}" dt="2024-01-14T21:27:15.726" v="323"/>
+      <pc:chgData name="JEFFRY ALBERTO ARAYA CHAVES" userId="6204f2de-3132-4215-9d9b-32db2b4020cb" providerId="ADAL" clId="{76E9022D-D677-43EE-B5F1-A28053661E62}" dt="2024-01-15T01:09:41.142" v="334"/>
       <pc:docMkLst>
         <pc:docMk/>
       </pc:docMkLst>
@@ -319,7 +399,7 @@
         </pc:spChg>
       </pc:sldChg>
       <pc:sldChg chg="modSp mod modTransition">
-        <pc:chgData name="JEFFRY ALBERTO ARAYA CHAVES" userId="6204f2de-3132-4215-9d9b-32db2b4020cb" providerId="ADAL" clId="{76E9022D-D677-43EE-B5F1-A28053661E62}" dt="2024-01-14T21:27:15.726" v="323"/>
+        <pc:chgData name="JEFFRY ALBERTO ARAYA CHAVES" userId="6204f2de-3132-4215-9d9b-32db2b4020cb" providerId="ADAL" clId="{76E9022D-D677-43EE-B5F1-A28053661E62}" dt="2024-01-15T01:09:41.142" v="334"/>
         <pc:sldMkLst>
           <pc:docMk/>
           <pc:sldMk cId="3884466951" sldId="260"/>
@@ -333,7 +413,7 @@
           </ac:spMkLst>
         </pc:spChg>
         <pc:spChg chg="mod">
-          <ac:chgData name="JEFFRY ALBERTO ARAYA CHAVES" userId="6204f2de-3132-4215-9d9b-32db2b4020cb" providerId="ADAL" clId="{76E9022D-D677-43EE-B5F1-A28053661E62}" dt="2024-01-14T20:52:53.794" v="128" actId="20577"/>
+          <ac:chgData name="JEFFRY ALBERTO ARAYA CHAVES" userId="6204f2de-3132-4215-9d9b-32db2b4020cb" providerId="ADAL" clId="{76E9022D-D677-43EE-B5F1-A28053661E62}" dt="2024-01-15T01:09:41.142" v="334"/>
           <ac:spMkLst>
             <pc:docMk/>
             <pc:sldMk cId="3884466951" sldId="260"/>
@@ -608,51 +688,75 @@
     </pc:docChg>
   </pc:docChgLst>
   <pc:docChgLst>
-    <pc:chgData name="Usuario invitado" userId="S::urn:spo:anon#0ae5581f3a5979a6de6c20ba19dcec1f41cfdabc96f412b45d1e6b09d07bd9a3::" providerId="AD" clId="Web-{800F35C2-02F4-29C0-76AB-D265723A9BE0}"/>
+    <pc:chgData name="Usuario invitado" userId="S::urn:spo:anon#0ae5581f3a5979a6de6c20ba19dcec1f41cfdabc96f412b45d1e6b09d07bd9a3::" providerId="AD" clId="Web-{3119D565-1542-2D07-1BD8-011B3C0D5E6D}"/>
     <pc:docChg chg="modSld">
-      <pc:chgData name="Usuario invitado" userId="S::urn:spo:anon#0ae5581f3a5979a6de6c20ba19dcec1f41cfdabc96f412b45d1e6b09d07bd9a3::" providerId="AD" clId="Web-{800F35C2-02F4-29C0-76AB-D265723A9BE0}" dt="2024-01-14T21:31:33.685" v="120"/>
+      <pc:chgData name="Usuario invitado" userId="S::urn:spo:anon#0ae5581f3a5979a6de6c20ba19dcec1f41cfdabc96f412b45d1e6b09d07bd9a3::" providerId="AD" clId="Web-{3119D565-1542-2D07-1BD8-011B3C0D5E6D}" dt="2024-01-14T21:20:43.586" v="321"/>
       <pc:docMkLst>
         <pc:docMk/>
       </pc:docMkLst>
-      <pc:sldChg chg="modSp">
-        <pc:chgData name="Usuario invitado" userId="S::urn:spo:anon#0ae5581f3a5979a6de6c20ba19dcec1f41cfdabc96f412b45d1e6b09d07bd9a3::" providerId="AD" clId="Web-{800F35C2-02F4-29C0-76AB-D265723A9BE0}" dt="2024-01-14T21:26:01.828" v="52"/>
+      <pc:sldChg chg="addSp delSp modSp">
+        <pc:chgData name="Usuario invitado" userId="S::urn:spo:anon#0ae5581f3a5979a6de6c20ba19dcec1f41cfdabc96f412b45d1e6b09d07bd9a3::" providerId="AD" clId="Web-{3119D565-1542-2D07-1BD8-011B3C0D5E6D}" dt="2024-01-14T21:01:43.780" v="92" actId="1076"/>
         <pc:sldMkLst>
           <pc:docMk/>
-          <pc:sldMk cId="3224130044" sldId="261"/>
+          <pc:sldMk cId="990684553" sldId="257"/>
         </pc:sldMkLst>
         <pc:spChg chg="mod">
-          <ac:chgData name="Usuario invitado" userId="S::urn:spo:anon#0ae5581f3a5979a6de6c20ba19dcec1f41cfdabc96f412b45d1e6b09d07bd9a3::" providerId="AD" clId="Web-{800F35C2-02F4-29C0-76AB-D265723A9BE0}" dt="2024-01-14T21:25:57.156" v="51"/>
+          <ac:chgData name="Usuario invitado" userId="S::urn:spo:anon#0ae5581f3a5979a6de6c20ba19dcec1f41cfdabc96f412b45d1e6b09d07bd9a3::" providerId="AD" clId="Web-{3119D565-1542-2D07-1BD8-011B3C0D5E6D}" dt="2024-01-14T20:58:53.962" v="9" actId="1076"/>
           <ac:spMkLst>
             <pc:docMk/>
-            <pc:sldMk cId="3224130044" sldId="261"/>
-            <ac:spMk id="2" creationId="{CF1FD5CC-5E43-2B65-BC50-D2547875F256}"/>
+            <pc:sldMk cId="990684553" sldId="257"/>
+            <ac:spMk id="2" creationId="{C7492CCE-C435-464E-A19A-D4C606FDBE3D}"/>
           </ac:spMkLst>
         </pc:spChg>
-        <pc:spChg chg="mod">
-          <ac:chgData name="Usuario invitado" userId="S::urn:spo:anon#0ae5581f3a5979a6de6c20ba19dcec1f41cfdabc96f412b45d1e6b09d07bd9a3::" providerId="AD" clId="Web-{800F35C2-02F4-29C0-76AB-D265723A9BE0}" dt="2024-01-14T21:26:01.828" v="52"/>
+        <pc:spChg chg="add del mod">
+          <ac:chgData name="Usuario invitado" userId="S::urn:spo:anon#0ae5581f3a5979a6de6c20ba19dcec1f41cfdabc96f412b45d1e6b09d07bd9a3::" providerId="AD" clId="Web-{3119D565-1542-2D07-1BD8-011B3C0D5E6D}" dt="2024-01-14T21:01:38.295" v="91" actId="1076"/>
           <ac:spMkLst>
             <pc:docMk/>
-            <pc:sldMk cId="3224130044" sldId="261"/>
-            <ac:spMk id="3" creationId="{690F796F-DD9F-5080-39E4-78E450FEA0C8}"/>
+            <pc:sldMk cId="990684553" sldId="257"/>
+            <ac:spMk id="3" creationId="{60DFF4FA-F598-4962-B6AB-31A8BE724E52}"/>
+          </ac:spMkLst>
+        </pc:spChg>
+        <pc:spChg chg="add mod">
+          <ac:chgData name="Usuario invitado" userId="S::urn:spo:anon#0ae5581f3a5979a6de6c20ba19dcec1f41cfdabc96f412b45d1e6b09d07bd9a3::" providerId="AD" clId="Web-{3119D565-1542-2D07-1BD8-011B3C0D5E6D}" dt="2024-01-14T21:01:43.780" v="92" actId="1076"/>
+          <ac:spMkLst>
+            <pc:docMk/>
+            <pc:sldMk cId="990684553" sldId="257"/>
+            <ac:spMk id="5" creationId="{75E721A5-9028-FEA2-8538-A8FFA4C1A2C0}"/>
           </ac:spMkLst>
         </pc:spChg>
       </pc:sldChg>
-      <pc:sldChg chg="modSp">
-        <pc:chgData name="Usuario invitado" userId="S::urn:spo:anon#0ae5581f3a5979a6de6c20ba19dcec1f41cfdabc96f412b45d1e6b09d07bd9a3::" providerId="AD" clId="Web-{800F35C2-02F4-29C0-76AB-D265723A9BE0}" dt="2024-01-14T21:31:33.685" v="120"/>
+      <pc:sldChg chg="addSp delSp modSp">
+        <pc:chgData name="Usuario invitado" userId="S::urn:spo:anon#0ae5581f3a5979a6de6c20ba19dcec1f41cfdabc96f412b45d1e6b09d07bd9a3::" providerId="AD" clId="Web-{3119D565-1542-2D07-1BD8-011B3C0D5E6D}" dt="2024-01-14T21:19:15.740" v="302" actId="1076"/>
         <pc:sldMkLst>
           <pc:docMk/>
           <pc:sldMk cId="3582762670" sldId="262"/>
         </pc:sldMkLst>
         <pc:spChg chg="mod">
-          <ac:chgData name="Usuario invitado" userId="S::urn:spo:anon#0ae5581f3a5979a6de6c20ba19dcec1f41cfdabc96f412b45d1e6b09d07bd9a3::" providerId="AD" clId="Web-{800F35C2-02F4-29C0-76AB-D265723A9BE0}" dt="2024-01-14T21:25:45.312" v="49" actId="1076"/>
+          <ac:chgData name="Usuario invitado" userId="S::urn:spo:anon#0ae5581f3a5979a6de6c20ba19dcec1f41cfdabc96f412b45d1e6b09d07bd9a3::" providerId="AD" clId="Web-{3119D565-1542-2D07-1BD8-011B3C0D5E6D}" dt="2024-01-14T21:17:04.550" v="271"/>
           <ac:spMkLst>
             <pc:docMk/>
             <pc:sldMk cId="3582762670" sldId="262"/>
             <ac:spMk id="2" creationId="{893D36A4-36A7-F80A-4032-EF4CDC56E582}"/>
           </ac:spMkLst>
         </pc:spChg>
-        <pc:spChg chg="mod">
-          <ac:chgData name="Usuario invitado" userId="S::urn:spo:anon#0ae5581f3a5979a6de6c20ba19dcec1f41cfdabc96f412b45d1e6b09d07bd9a3::" providerId="AD" clId="Web-{800F35C2-02F4-29C0-76AB-D265723A9BE0}" dt="2024-01-14T21:31:33.685" v="120"/>
+        <pc:spChg chg="add del mod">
+          <ac:chgData name="Usuario invitado" userId="S::urn:spo:anon#0ae5581f3a5979a6de6c20ba19dcec1f41cfdabc96f412b45d1e6b09d07bd9a3::" providerId="AD" clId="Web-{3119D565-1542-2D07-1BD8-011B3C0D5E6D}" dt="2024-01-14T21:13:07.388" v="189"/>
+          <ac:spMkLst>
+            <pc:docMk/>
+            <pc:sldMk cId="3582762670" sldId="262"/>
+            <ac:spMk id="5" creationId="{995B85B0-7683-AD7A-61E9-441A7B757026}"/>
+          </ac:spMkLst>
+        </pc:spChg>
+        <pc:spChg chg="add del">
+          <ac:chgData name="Usuario invitado" userId="S::urn:spo:anon#0ae5581f3a5979a6de6c20ba19dcec1f41cfdabc96f412b45d1e6b09d07bd9a3::" providerId="AD" clId="Web-{3119D565-1542-2D07-1BD8-011B3C0D5E6D}" dt="2024-01-14T21:12:47.919" v="184"/>
+          <ac:spMkLst>
+            <pc:docMk/>
+            <pc:sldMk cId="3582762670" sldId="262"/>
+            <ac:spMk id="7" creationId="{4C048632-0E09-E26F-38F5-894D48BF2843}"/>
+          </ac:spMkLst>
+        </pc:spChg>
+        <pc:spChg chg="add mod">
+          <ac:chgData name="Usuario invitado" userId="S::urn:spo:anon#0ae5581f3a5979a6de6c20ba19dcec1f41cfdabc96f412b45d1e6b09d07bd9a3::" providerId="AD" clId="Web-{3119D565-1542-2D07-1BD8-011B3C0D5E6D}" dt="2024-01-14T21:19:15.740" v="302" actId="1076"/>
           <ac:spMkLst>
             <pc:docMk/>
             <pc:sldMk cId="3582762670" sldId="262"/>
@@ -661,112 +765,74 @@
         </pc:spChg>
       </pc:sldChg>
       <pc:sldChg chg="addSp delSp modSp">
-        <pc:chgData name="Usuario invitado" userId="S::urn:spo:anon#0ae5581f3a5979a6de6c20ba19dcec1f41cfdabc96f412b45d1e6b09d07bd9a3::" providerId="AD" clId="Web-{800F35C2-02F4-29C0-76AB-D265723A9BE0}" dt="2024-01-14T21:24:26.731" v="24" actId="1076"/>
+        <pc:chgData name="Usuario invitado" userId="S::urn:spo:anon#0ae5581f3a5979a6de6c20ba19dcec1f41cfdabc96f412b45d1e6b09d07bd9a3::" providerId="AD" clId="Web-{3119D565-1542-2D07-1BD8-011B3C0D5E6D}" dt="2024-01-14T21:20:43.586" v="321"/>
         <pc:sldMkLst>
           <pc:docMk/>
           <pc:sldMk cId="1755737927" sldId="263"/>
         </pc:sldMkLst>
-        <pc:spChg chg="add mod">
-          <ac:chgData name="Usuario invitado" userId="S::urn:spo:anon#0ae5581f3a5979a6de6c20ba19dcec1f41cfdabc96f412b45d1e6b09d07bd9a3::" providerId="AD" clId="Web-{800F35C2-02F4-29C0-76AB-D265723A9BE0}" dt="2024-01-14T21:23:35.663" v="21" actId="1076"/>
+        <pc:spChg chg="mod">
+          <ac:chgData name="Usuario invitado" userId="S::urn:spo:anon#0ae5581f3a5979a6de6c20ba19dcec1f41cfdabc96f412b45d1e6b09d07bd9a3::" providerId="AD" clId="Web-{3119D565-1542-2D07-1BD8-011B3C0D5E6D}" dt="2024-01-14T21:19:35.038" v="304"/>
           <ac:spMkLst>
             <pc:docMk/>
             <pc:sldMk cId="1755737927" sldId="263"/>
-            <ac:spMk id="4" creationId="{40221D21-2094-CFF7-B4AB-4401162C818A}"/>
+            <ac:spMk id="2" creationId="{858B58AA-8369-D29E-DAED-D30620E5AA4A}"/>
           </ac:spMkLst>
         </pc:spChg>
-        <pc:spChg chg="del mod">
-          <ac:chgData name="Usuario invitado" userId="S::urn:spo:anon#0ae5581f3a5979a6de6c20ba19dcec1f41cfdabc96f412b45d1e6b09d07bd9a3::" providerId="AD" clId="Web-{800F35C2-02F4-29C0-76AB-D265723A9BE0}" dt="2024-01-14T21:22:36.661" v="3"/>
+        <pc:spChg chg="add del mod">
+          <ac:chgData name="Usuario invitado" userId="S::urn:spo:anon#0ae5581f3a5979a6de6c20ba19dcec1f41cfdabc96f412b45d1e6b09d07bd9a3::" providerId="AD" clId="Web-{3119D565-1542-2D07-1BD8-011B3C0D5E6D}" dt="2024-01-14T21:20:35.320" v="320"/>
+          <ac:spMkLst>
+            <pc:docMk/>
+            <pc:sldMk cId="1755737927" sldId="263"/>
+            <ac:spMk id="4" creationId="{D390B23F-B973-C140-681E-E685EDD40173}"/>
+          </ac:spMkLst>
+        </pc:spChg>
+        <pc:spChg chg="add">
+          <ac:chgData name="Usuario invitado" userId="S::urn:spo:anon#0ae5581f3a5979a6de6c20ba19dcec1f41cfdabc96f412b45d1e6b09d07bd9a3::" providerId="AD" clId="Web-{3119D565-1542-2D07-1BD8-011B3C0D5E6D}" dt="2024-01-14T21:20:43.586" v="321"/>
           <ac:spMkLst>
             <pc:docMk/>
             <pc:sldMk cId="1755737927" sldId="263"/>
             <ac:spMk id="6" creationId="{2E59BDE1-F2B3-9F70-4AC3-3888B5833B95}"/>
           </ac:spMkLst>
         </pc:spChg>
-        <pc:spChg chg="add mod">
-          <ac:chgData name="Usuario invitado" userId="S::urn:spo:anon#0ae5581f3a5979a6de6c20ba19dcec1f41cfdabc96f412b45d1e6b09d07bd9a3::" providerId="AD" clId="Web-{800F35C2-02F4-29C0-76AB-D265723A9BE0}" dt="2024-01-14T21:24:26.731" v="24" actId="1076"/>
-          <ac:spMkLst>
-            <pc:docMk/>
-            <pc:sldMk cId="1755737927" sldId="263"/>
-            <ac:spMk id="7" creationId="{F5459E38-D720-D8DF-0E65-117085073A15}"/>
-          </ac:spMkLst>
-        </pc:spChg>
-      </pc:sldChg>
-      <pc:sldChg chg="modSp">
-        <pc:chgData name="Usuario invitado" userId="S::urn:spo:anon#0ae5581f3a5979a6de6c20ba19dcec1f41cfdabc96f412b45d1e6b09d07bd9a3::" providerId="AD" clId="Web-{800F35C2-02F4-29C0-76AB-D265723A9BE0}" dt="2024-01-14T21:24:59.576" v="26"/>
-        <pc:sldMkLst>
-          <pc:docMk/>
-          <pc:sldMk cId="4032170155" sldId="264"/>
-        </pc:sldMkLst>
-        <pc:spChg chg="mod">
-          <ac:chgData name="Usuario invitado" userId="S::urn:spo:anon#0ae5581f3a5979a6de6c20ba19dcec1f41cfdabc96f412b45d1e6b09d07bd9a3::" providerId="AD" clId="Web-{800F35C2-02F4-29C0-76AB-D265723A9BE0}" dt="2024-01-14T21:24:56.826" v="25"/>
-          <ac:spMkLst>
-            <pc:docMk/>
-            <pc:sldMk cId="4032170155" sldId="264"/>
-            <ac:spMk id="2" creationId="{0D5AC413-BB23-8DDC-56A9-1BEA3C32725F}"/>
-          </ac:spMkLst>
-        </pc:spChg>
-        <pc:spChg chg="mod">
-          <ac:chgData name="Usuario invitado" userId="S::urn:spo:anon#0ae5581f3a5979a6de6c20ba19dcec1f41cfdabc96f412b45d1e6b09d07bd9a3::" providerId="AD" clId="Web-{800F35C2-02F4-29C0-76AB-D265723A9BE0}" dt="2024-01-14T21:24:59.576" v="26"/>
-          <ac:spMkLst>
-            <pc:docMk/>
-            <pc:sldMk cId="4032170155" sldId="264"/>
-            <ac:spMk id="3" creationId="{D5C57F13-20F2-47E1-4961-A4AD5D116A38}"/>
-          </ac:spMkLst>
-        </pc:spChg>
       </pc:sldChg>
       <pc:sldChg chg="addSp delSp modSp">
-        <pc:chgData name="Usuario invitado" userId="S::urn:spo:anon#0ae5581f3a5979a6de6c20ba19dcec1f41cfdabc96f412b45d1e6b09d07bd9a3::" providerId="AD" clId="Web-{800F35C2-02F4-29C0-76AB-D265723A9BE0}" dt="2024-01-14T21:26:50.408" v="60" actId="20577"/>
-        <pc:sldMkLst>
-          <pc:docMk/>
-          <pc:sldMk cId="2844237330" sldId="265"/>
-        </pc:sldMkLst>
-        <pc:spChg chg="del">
-          <ac:chgData name="Usuario invitado" userId="S::urn:spo:anon#0ae5581f3a5979a6de6c20ba19dcec1f41cfdabc96f412b45d1e6b09d07bd9a3::" providerId="AD" clId="Web-{800F35C2-02F4-29C0-76AB-D265723A9BE0}" dt="2024-01-14T21:25:16.655" v="27"/>
-          <ac:spMkLst>
-            <pc:docMk/>
-            <pc:sldMk cId="2844237330" sldId="265"/>
-            <ac:spMk id="2" creationId="{CF54A3DD-EBC3-EB56-2473-3355848132BF}"/>
-          </ac:spMkLst>
-        </pc:spChg>
-        <pc:spChg chg="add del mod">
-          <ac:chgData name="Usuario invitado" userId="S::urn:spo:anon#0ae5581f3a5979a6de6c20ba19dcec1f41cfdabc96f412b45d1e6b09d07bd9a3::" providerId="AD" clId="Web-{800F35C2-02F4-29C0-76AB-D265723A9BE0}" dt="2024-01-14T21:25:20.967" v="29"/>
-          <ac:spMkLst>
-            <pc:docMk/>
-            <pc:sldMk cId="2844237330" sldId="265"/>
-            <ac:spMk id="4" creationId="{C5FD7668-1E01-33B1-B73C-0953F0EE871C}"/>
-          </ac:spMkLst>
-        </pc:spChg>
-        <pc:spChg chg="add mod">
-          <ac:chgData name="Usuario invitado" userId="S::urn:spo:anon#0ae5581f3a5979a6de6c20ba19dcec1f41cfdabc96f412b45d1e6b09d07bd9a3::" providerId="AD" clId="Web-{800F35C2-02F4-29C0-76AB-D265723A9BE0}" dt="2024-01-14T21:26:11.266" v="54" actId="1076"/>
-          <ac:spMkLst>
-            <pc:docMk/>
-            <pc:sldMk cId="2844237330" sldId="265"/>
-            <ac:spMk id="6" creationId="{AD15A267-9B1D-1981-54EC-4A5A2ACF3F42}"/>
-          </ac:spMkLst>
-        </pc:spChg>
-        <pc:spChg chg="add mod">
-          <ac:chgData name="Usuario invitado" userId="S::urn:spo:anon#0ae5581f3a5979a6de6c20ba19dcec1f41cfdabc96f412b45d1e6b09d07bd9a3::" providerId="AD" clId="Web-{800F35C2-02F4-29C0-76AB-D265723A9BE0}" dt="2024-01-14T21:26:50.408" v="60" actId="20577"/>
-          <ac:spMkLst>
-            <pc:docMk/>
-            <pc:sldMk cId="2844237330" sldId="265"/>
-            <ac:spMk id="8" creationId="{F8C0DEE2-87B8-5A8D-49BE-B415928568CB}"/>
-          </ac:spMkLst>
-        </pc:spChg>
-      </pc:sldChg>
-      <pc:sldChg chg="modSp">
-        <pc:chgData name="Usuario invitado" userId="S::urn:spo:anon#0ae5581f3a5979a6de6c20ba19dcec1f41cfdabc96f412b45d1e6b09d07bd9a3::" providerId="AD" clId="Web-{800F35C2-02F4-29C0-76AB-D265723A9BE0}" dt="2024-01-14T21:22:27.801" v="1" actId="1076"/>
+        <pc:chgData name="Usuario invitado" userId="S::urn:spo:anon#0ae5581f3a5979a6de6c20ba19dcec1f41cfdabc96f412b45d1e6b09d07bd9a3::" providerId="AD" clId="Web-{3119D565-1542-2D07-1BD8-011B3C0D5E6D}" dt="2024-01-14T21:06:19.614" v="178"/>
         <pc:sldMkLst>
           <pc:docMk/>
           <pc:sldMk cId="1817671035" sldId="266"/>
         </pc:sldMkLst>
         <pc:spChg chg="mod">
-          <ac:chgData name="Usuario invitado" userId="S::urn:spo:anon#0ae5581f3a5979a6de6c20ba19dcec1f41cfdabc96f412b45d1e6b09d07bd9a3::" providerId="AD" clId="Web-{800F35C2-02F4-29C0-76AB-D265723A9BE0}" dt="2024-01-14T21:22:27.801" v="1" actId="1076"/>
+          <ac:chgData name="Usuario invitado" userId="S::urn:spo:anon#0ae5581f3a5979a6de6c20ba19dcec1f41cfdabc96f412b45d1e6b09d07bd9a3::" providerId="AD" clId="Web-{3119D565-1542-2D07-1BD8-011B3C0D5E6D}" dt="2024-01-14T21:05:52.285" v="175" actId="1076"/>
+          <ac:spMkLst>
+            <pc:docMk/>
+            <pc:sldMk cId="1817671035" sldId="266"/>
+            <ac:spMk id="2" creationId="{5EF5CF57-B19F-EDBA-433B-AA96BFFC3CCE}"/>
+          </ac:spMkLst>
+        </pc:spChg>
+        <pc:spChg chg="mod">
+          <ac:chgData name="Usuario invitado" userId="S::urn:spo:anon#0ae5581f3a5979a6de6c20ba19dcec1f41cfdabc96f412b45d1e6b09d07bd9a3::" providerId="AD" clId="Web-{3119D565-1542-2D07-1BD8-011B3C0D5E6D}" dt="2024-01-14T21:05:35.316" v="172" actId="20577"/>
           <ac:spMkLst>
             <pc:docMk/>
             <pc:sldMk cId="1817671035" sldId="266"/>
             <ac:spMk id="3" creationId="{EE26354C-0416-6E6F-5EB4-7FAC837511E9}"/>
           </ac:spMkLst>
         </pc:spChg>
+        <pc:spChg chg="add mod">
+          <ac:chgData name="Usuario invitado" userId="S::urn:spo:anon#0ae5581f3a5979a6de6c20ba19dcec1f41cfdabc96f412b45d1e6b09d07bd9a3::" providerId="AD" clId="Web-{3119D565-1542-2D07-1BD8-011B3C0D5E6D}" dt="2024-01-14T21:05:45.238" v="174" actId="1076"/>
+          <ac:spMkLst>
+            <pc:docMk/>
+            <pc:sldMk cId="1817671035" sldId="266"/>
+            <ac:spMk id="5" creationId="{290D017A-3A27-313E-359C-7EDEAEBDF8D7}"/>
+          </ac:spMkLst>
+        </pc:spChg>
+        <pc:picChg chg="add del mod">
+          <ac:chgData name="Usuario invitado" userId="S::urn:spo:anon#0ae5581f3a5979a6de6c20ba19dcec1f41cfdabc96f412b45d1e6b09d07bd9a3::" providerId="AD" clId="Web-{3119D565-1542-2D07-1BD8-011B3C0D5E6D}" dt="2024-01-14T21:06:19.614" v="178"/>
+          <ac:picMkLst>
+            <pc:docMk/>
+            <pc:sldMk cId="1817671035" sldId="266"/>
+            <ac:picMk id="6" creationId="{6EE13ADF-4686-209C-750E-B1CAC3938488}"/>
+          </ac:picMkLst>
+        </pc:picChg>
       </pc:sldChg>
     </pc:docChg>
   </pc:docChgLst>
@@ -881,7 +947,7 @@
             <a:pPr rtl="0"/>
             <a:fld id="{33DAF324-58DB-41BD-9925-AF02ECE1BAD8}" type="datetime1">
               <a:rPr lang="es-ES" smtClean="0"/>
-              <a:t>14/01/2024</a:t>
+              <a:t>15/01/2024</a:t>
             </a:fld>
             <a:endParaRPr lang="es-ES"/>
           </a:p>
@@ -949,7 +1015,7 @@
             <a:pPr rtl="0"/>
             <a:fld id="{7A45484C-7992-44E9-9002-213D76072A08}" type="slidenum">
               <a:rPr lang="es-ES" smtClean="0"/>
-              <a:t>‹#›</a:t>
+              <a:t>‹Nº›</a:t>
             </a:fld>
             <a:endParaRPr lang="es-ES"/>
           </a:p>
@@ -1051,7 +1117,7 @@
             <a:pPr rtl="0"/>
             <a:fld id="{E04D53AE-2037-4E76-9C56-D930AC0CC471}" type="datetime1">
               <a:rPr lang="es-ES" noProof="0" smtClean="0"/>
-              <a:t>14/01/2024</a:t>
+              <a:t>15/01/2024</a:t>
             </a:fld>
             <a:endParaRPr lang="es-ES" noProof="0"/>
           </a:p>
@@ -1212,7 +1278,7 @@
             <a:pPr rtl="0"/>
             <a:fld id="{B524A772-5D94-4F12-8B86-44D4FB26368F}" type="slidenum">
               <a:rPr lang="es-ES" noProof="0" smtClean="0"/>
-              <a:t>‹#›</a:t>
+              <a:t>‹Nº›</a:t>
             </a:fld>
             <a:endParaRPr lang="es-ES" noProof="0"/>
           </a:p>
@@ -1912,7 +1978,7 @@
             <a:pPr rtl="0"/>
             <a:fld id="{16916062-716F-4BB4-A997-8E8BEE4C9025}" type="datetime1">
               <a:rPr lang="es-ES" noProof="0" smtClean="0"/>
-              <a:t>14/01/2024</a:t>
+              <a:t>15/01/2024</a:t>
             </a:fld>
             <a:endParaRPr lang="es-ES" noProof="0"/>
           </a:p>
@@ -1962,7 +2028,7 @@
             <a:fld id="{D57F1E4F-1CFF-5643-939E-217C01CDF565}" type="slidenum">
               <a:rPr lang="es-ES" noProof="0" smtClean="0"/>
               <a:pPr rtl="0"/>
-              <a:t>‹#›</a:t>
+              <a:t>‹Nº›</a:t>
             </a:fld>
             <a:endParaRPr lang="es-ES" noProof="0"/>
           </a:p>
@@ -1973,13 +2039,13 @@
   <p:clrMapOvr>
     <a:masterClrMapping/>
   </p:clrMapOvr>
-  <mc:AlternateContent xmlns:mc="http://schemas.openxmlformats.org/markup-compatibility/2006">
-    <mc:Choice xmlns:p14="http://schemas.microsoft.com/office/powerpoint/2010/main" Requires="p14">
+  <mc:AlternateContent xmlns:mc="http://schemas.openxmlformats.org/markup-compatibility/2006" xmlns:p14="http://schemas.microsoft.com/office/powerpoint/2010/main">
+    <mc:Choice Requires="p14">
       <p:transition spd="slow" p14:dur="3400">
         <p14:reveal/>
       </p:transition>
     </mc:Choice>
-    <mc:Fallback>
+    <mc:Fallback xmlns="">
       <p:transition spd="slow">
         <p:fade/>
       </p:transition>
@@ -2221,7 +2287,7 @@
             <a:pPr rtl="0"/>
             <a:fld id="{F3E46B2F-44CC-45B7-A010-EBA83946A11A}" type="datetime1">
               <a:rPr lang="es-ES" noProof="0" smtClean="0"/>
-              <a:t>14/01/2024</a:t>
+              <a:t>15/01/2024</a:t>
             </a:fld>
             <a:endParaRPr lang="es-ES" noProof="0"/>
           </a:p>
@@ -2266,7 +2332,7 @@
             <a:fld id="{D57F1E4F-1CFF-5643-939E-217C01CDF565}" type="slidenum">
               <a:rPr lang="es-ES" noProof="0" smtClean="0"/>
               <a:pPr rtl="0"/>
-              <a:t>‹#›</a:t>
+              <a:t>‹Nº›</a:t>
             </a:fld>
             <a:endParaRPr lang="es-ES" noProof="0"/>
           </a:p>
@@ -2277,13 +2343,13 @@
   <p:clrMapOvr>
     <a:masterClrMapping/>
   </p:clrMapOvr>
-  <mc:AlternateContent xmlns:mc="http://schemas.openxmlformats.org/markup-compatibility/2006">
-    <mc:Choice xmlns:p14="http://schemas.microsoft.com/office/powerpoint/2010/main" Requires="p14">
+  <mc:AlternateContent xmlns:mc="http://schemas.openxmlformats.org/markup-compatibility/2006" xmlns:p14="http://schemas.microsoft.com/office/powerpoint/2010/main">
+    <mc:Choice Requires="p14">
       <p:transition spd="slow" p14:dur="3400">
         <p14:reveal/>
       </p:transition>
     </mc:Choice>
-    <mc:Fallback>
+    <mc:Fallback xmlns="">
       <p:transition spd="slow">
         <p:fade/>
       </p:transition>
@@ -2481,7 +2547,7 @@
             <a:pPr rtl="0"/>
             <a:fld id="{FA1C52FD-27AB-44ED-9F0F-96861A2F5FC0}" type="datetime1">
               <a:rPr lang="es-ES" noProof="0" smtClean="0"/>
-              <a:t>14/01/2024</a:t>
+              <a:t>15/01/2024</a:t>
             </a:fld>
             <a:endParaRPr lang="es-ES" noProof="0"/>
           </a:p>
@@ -2526,7 +2592,7 @@
             <a:fld id="{D57F1E4F-1CFF-5643-939E-217C01CDF565}" type="slidenum">
               <a:rPr lang="es-ES" noProof="0" smtClean="0"/>
               <a:pPr rtl="0"/>
-              <a:t>‹#›</a:t>
+              <a:t>‹Nº›</a:t>
             </a:fld>
             <a:endParaRPr lang="es-ES" noProof="0"/>
           </a:p>
@@ -2537,13 +2603,13 @@
   <p:clrMapOvr>
     <a:masterClrMapping/>
   </p:clrMapOvr>
-  <mc:AlternateContent xmlns:mc="http://schemas.openxmlformats.org/markup-compatibility/2006">
-    <mc:Choice xmlns:p14="http://schemas.microsoft.com/office/powerpoint/2010/main" Requires="p14">
+  <mc:AlternateContent xmlns:mc="http://schemas.openxmlformats.org/markup-compatibility/2006" xmlns:p14="http://schemas.microsoft.com/office/powerpoint/2010/main">
+    <mc:Choice Requires="p14">
       <p:transition spd="slow" p14:dur="3400">
         <p14:reveal/>
       </p:transition>
     </mc:Choice>
-    <mc:Fallback>
+    <mc:Fallback xmlns="">
       <p:transition spd="slow">
         <p:fade/>
       </p:transition>
@@ -3033,7 +3099,7 @@
             <a:pPr rtl="0"/>
             <a:fld id="{CAB0581F-BA4D-4D6C-8817-63F49DB97D30}" type="datetime1">
               <a:rPr lang="es-ES" noProof="0" smtClean="0"/>
-              <a:t>14/01/2024</a:t>
+              <a:t>15/01/2024</a:t>
             </a:fld>
             <a:endParaRPr lang="es-ES" noProof="0"/>
           </a:p>
@@ -3078,7 +3144,7 @@
             <a:fld id="{D57F1E4F-1CFF-5643-939E-217C01CDF565}" type="slidenum">
               <a:rPr lang="es-ES" noProof="0" smtClean="0"/>
               <a:pPr rtl="0"/>
-              <a:t>‹#›</a:t>
+              <a:t>‹Nº›</a:t>
             </a:fld>
             <a:endParaRPr lang="es-ES" noProof="0"/>
           </a:p>
@@ -3089,13 +3155,13 @@
   <p:clrMapOvr>
     <a:masterClrMapping/>
   </p:clrMapOvr>
-  <mc:AlternateContent xmlns:mc="http://schemas.openxmlformats.org/markup-compatibility/2006">
-    <mc:Choice xmlns:p14="http://schemas.microsoft.com/office/powerpoint/2010/main" Requires="p14">
+  <mc:AlternateContent xmlns:mc="http://schemas.openxmlformats.org/markup-compatibility/2006" xmlns:p14="http://schemas.microsoft.com/office/powerpoint/2010/main">
+    <mc:Choice Requires="p14">
       <p:transition spd="slow" p14:dur="3400">
         <p14:reveal/>
       </p:transition>
     </mc:Choice>
-    <mc:Fallback>
+    <mc:Fallback xmlns="">
       <p:transition spd="slow">
         <p:fade/>
       </p:transition>
@@ -3293,7 +3359,7 @@
             <a:pPr rtl="0"/>
             <a:fld id="{9C6117B6-5DD5-4008-9779-20B2335D040C}" type="datetime1">
               <a:rPr lang="es-ES" noProof="0" smtClean="0"/>
-              <a:t>14/01/2024</a:t>
+              <a:t>15/01/2024</a:t>
             </a:fld>
             <a:endParaRPr lang="es-ES" noProof="0"/>
           </a:p>
@@ -3338,7 +3404,7 @@
             <a:fld id="{D57F1E4F-1CFF-5643-939E-217C01CDF565}" type="slidenum">
               <a:rPr lang="es-ES" noProof="0" smtClean="0"/>
               <a:pPr rtl="0"/>
-              <a:t>‹#›</a:t>
+              <a:t>‹Nº›</a:t>
             </a:fld>
             <a:endParaRPr lang="es-ES" noProof="0"/>
           </a:p>
@@ -3349,13 +3415,13 @@
   <p:clrMapOvr>
     <a:masterClrMapping/>
   </p:clrMapOvr>
-  <mc:AlternateContent xmlns:mc="http://schemas.openxmlformats.org/markup-compatibility/2006">
-    <mc:Choice xmlns:p14="http://schemas.microsoft.com/office/powerpoint/2010/main" Requires="p14">
+  <mc:AlternateContent xmlns:mc="http://schemas.openxmlformats.org/markup-compatibility/2006" xmlns:p14="http://schemas.microsoft.com/office/powerpoint/2010/main">
+    <mc:Choice Requires="p14">
       <p:transition spd="slow" p14:dur="3400">
         <p14:reveal/>
       </p:transition>
     </mc:Choice>
-    <mc:Fallback>
+    <mc:Fallback xmlns="">
       <p:transition spd="slow">
         <p:fade/>
       </p:transition>
@@ -3837,7 +3903,7 @@
             <a:pPr rtl="0"/>
             <a:fld id="{F597C378-A184-4DC4-836F-7BB804AB90B5}" type="datetime1">
               <a:rPr lang="es-ES" noProof="0" smtClean="0"/>
-              <a:t>14/01/2024</a:t>
+              <a:t>15/01/2024</a:t>
             </a:fld>
             <a:endParaRPr lang="es-ES" noProof="0"/>
           </a:p>
@@ -3882,7 +3948,7 @@
             <a:fld id="{D57F1E4F-1CFF-5643-939E-217C01CDF565}" type="slidenum">
               <a:rPr lang="es-ES" noProof="0" smtClean="0"/>
               <a:pPr rtl="0"/>
-              <a:t>‹#›</a:t>
+              <a:t>‹Nº›</a:t>
             </a:fld>
             <a:endParaRPr lang="es-ES" noProof="0"/>
           </a:p>
@@ -3893,13 +3959,13 @@
   <p:clrMapOvr>
     <a:masterClrMapping/>
   </p:clrMapOvr>
-  <mc:AlternateContent xmlns:mc="http://schemas.openxmlformats.org/markup-compatibility/2006">
-    <mc:Choice xmlns:p14="http://schemas.microsoft.com/office/powerpoint/2010/main" Requires="p14">
+  <mc:AlternateContent xmlns:mc="http://schemas.openxmlformats.org/markup-compatibility/2006" xmlns:p14="http://schemas.microsoft.com/office/powerpoint/2010/main">
+    <mc:Choice Requires="p14">
       <p:transition spd="slow" p14:dur="3400">
         <p14:reveal/>
       </p:transition>
     </mc:Choice>
-    <mc:Fallback>
+    <mc:Fallback xmlns="">
       <p:transition spd="slow">
         <p:fade/>
       </p:transition>
@@ -4145,7 +4211,7 @@
             <a:pPr rtl="0"/>
             <a:fld id="{0AA4CDDF-B480-41AC-8B62-ED5C73E838DF}" type="datetime1">
               <a:rPr lang="es-ES" noProof="0" smtClean="0"/>
-              <a:t>14/01/2024</a:t>
+              <a:t>15/01/2024</a:t>
             </a:fld>
             <a:endParaRPr lang="es-ES" noProof="0"/>
           </a:p>
@@ -4190,7 +4256,7 @@
             <a:fld id="{D57F1E4F-1CFF-5643-939E-217C01CDF565}" type="slidenum">
               <a:rPr lang="es-ES" noProof="0" smtClean="0"/>
               <a:pPr rtl="0"/>
-              <a:t>‹#›</a:t>
+              <a:t>‹Nº›</a:t>
             </a:fld>
             <a:endParaRPr lang="es-ES" noProof="0"/>
           </a:p>
@@ -4201,13 +4267,13 @@
   <p:clrMapOvr>
     <a:masterClrMapping/>
   </p:clrMapOvr>
-  <mc:AlternateContent xmlns:mc="http://schemas.openxmlformats.org/markup-compatibility/2006">
-    <mc:Choice xmlns:p14="http://schemas.microsoft.com/office/powerpoint/2010/main" Requires="p14">
+  <mc:AlternateContent xmlns:mc="http://schemas.openxmlformats.org/markup-compatibility/2006" xmlns:p14="http://schemas.microsoft.com/office/powerpoint/2010/main">
+    <mc:Choice Requires="p14">
       <p:transition spd="slow" p14:dur="3400">
         <p14:reveal/>
       </p:transition>
     </mc:Choice>
-    <mc:Fallback>
+    <mc:Fallback xmlns="">
       <p:transition spd="slow">
         <p:fade/>
       </p:transition>
@@ -4331,7 +4397,7 @@
             <a:pPr rtl="0"/>
             <a:fld id="{FD5A940A-6C10-45AF-87CA-D1B8D38048A9}" type="datetime1">
               <a:rPr lang="es-ES" noProof="0" smtClean="0"/>
-              <a:t>14/01/2024</a:t>
+              <a:t>15/01/2024</a:t>
             </a:fld>
             <a:endParaRPr lang="es-ES" noProof="0"/>
           </a:p>
@@ -4376,7 +4442,7 @@
             <a:fld id="{D57F1E4F-1CFF-5643-939E-217C01CDF565}" type="slidenum">
               <a:rPr lang="es-ES" noProof="0" smtClean="0"/>
               <a:pPr rtl="0"/>
-              <a:t>‹#›</a:t>
+              <a:t>‹Nº›</a:t>
             </a:fld>
             <a:endParaRPr lang="es-ES" noProof="0"/>
           </a:p>
@@ -4387,13 +4453,13 @@
   <p:clrMapOvr>
     <a:masterClrMapping/>
   </p:clrMapOvr>
-  <mc:AlternateContent xmlns:mc="http://schemas.openxmlformats.org/markup-compatibility/2006">
-    <mc:Choice xmlns:p14="http://schemas.microsoft.com/office/powerpoint/2010/main" Requires="p14">
+  <mc:AlternateContent xmlns:mc="http://schemas.openxmlformats.org/markup-compatibility/2006" xmlns:p14="http://schemas.microsoft.com/office/powerpoint/2010/main">
+    <mc:Choice Requires="p14">
       <p:transition spd="slow" p14:dur="3400">
         <p14:reveal/>
       </p:transition>
     </mc:Choice>
-    <mc:Fallback>
+    <mc:Fallback xmlns="">
       <p:transition spd="slow">
         <p:fade/>
       </p:transition>
@@ -4523,7 +4589,7 @@
             <a:pPr rtl="0"/>
             <a:fld id="{CCA7AE49-BFB5-4636-863B-91BF70286D45}" type="datetime1">
               <a:rPr lang="es-ES" noProof="0" smtClean="0"/>
-              <a:t>14/01/2024</a:t>
+              <a:t>15/01/2024</a:t>
             </a:fld>
             <a:endParaRPr lang="es-ES" noProof="0"/>
           </a:p>
@@ -4568,7 +4634,7 @@
             <a:fld id="{D57F1E4F-1CFF-5643-939E-217C01CDF565}" type="slidenum">
               <a:rPr lang="es-ES" noProof="0" smtClean="0"/>
               <a:pPr rtl="0"/>
-              <a:t>‹#›</a:t>
+              <a:t>‹Nº›</a:t>
             </a:fld>
             <a:endParaRPr lang="es-ES" noProof="0"/>
           </a:p>
@@ -4579,13 +4645,13 @@
   <p:clrMapOvr>
     <a:masterClrMapping/>
   </p:clrMapOvr>
-  <mc:AlternateContent xmlns:mc="http://schemas.openxmlformats.org/markup-compatibility/2006">
-    <mc:Choice xmlns:p14="http://schemas.microsoft.com/office/powerpoint/2010/main" Requires="p14">
+  <mc:AlternateContent xmlns:mc="http://schemas.openxmlformats.org/markup-compatibility/2006" xmlns:p14="http://schemas.microsoft.com/office/powerpoint/2010/main">
+    <mc:Choice Requires="p14">
       <p:transition spd="slow" p14:dur="3400">
         <p14:reveal/>
       </p:transition>
     </mc:Choice>
-    <mc:Fallback>
+    <mc:Fallback xmlns="">
       <p:transition spd="slow">
         <p:fade/>
       </p:transition>
@@ -4705,7 +4771,7 @@
             <a:pPr rtl="0"/>
             <a:fld id="{EC97F429-668E-40BD-833F-582534829C3D}" type="datetime1">
               <a:rPr lang="es-ES" noProof="0" smtClean="0"/>
-              <a:t>14/01/2024</a:t>
+              <a:t>15/01/2024</a:t>
             </a:fld>
             <a:endParaRPr lang="es-ES" noProof="0"/>
           </a:p>
@@ -4755,7 +4821,7 @@
             <a:fld id="{D57F1E4F-1CFF-5643-939E-217C01CDF565}" type="slidenum">
               <a:rPr lang="es-ES" noProof="0" smtClean="0"/>
               <a:pPr rtl="0"/>
-              <a:t>‹#›</a:t>
+              <a:t>‹Nº›</a:t>
             </a:fld>
             <a:endParaRPr lang="es-ES" noProof="0"/>
           </a:p>
@@ -4766,13 +4832,13 @@
   <p:clrMapOvr>
     <a:masterClrMapping/>
   </p:clrMapOvr>
-  <mc:AlternateContent xmlns:mc="http://schemas.openxmlformats.org/markup-compatibility/2006">
-    <mc:Choice xmlns:p14="http://schemas.microsoft.com/office/powerpoint/2010/main" Requires="p14">
+  <mc:AlternateContent xmlns:mc="http://schemas.openxmlformats.org/markup-compatibility/2006" xmlns:p14="http://schemas.microsoft.com/office/powerpoint/2010/main">
+    <mc:Choice Requires="p14">
       <p:transition spd="slow" p14:dur="3400">
         <p14:reveal/>
       </p:transition>
     </mc:Choice>
-    <mc:Fallback>
+    <mc:Fallback xmlns="">
       <p:transition spd="slow">
         <p:fade/>
       </p:transition>
@@ -4968,7 +5034,7 @@
             <a:pPr rtl="0"/>
             <a:fld id="{36DEBA0E-06BE-4B5A-80C3-062E849A7D60}" type="datetime1">
               <a:rPr lang="es-ES" noProof="0" smtClean="0"/>
-              <a:t>14/01/2024</a:t>
+              <a:t>15/01/2024</a:t>
             </a:fld>
             <a:endParaRPr lang="es-ES" noProof="0"/>
           </a:p>
@@ -5013,7 +5079,7 @@
             <a:fld id="{D57F1E4F-1CFF-5643-939E-217C01CDF565}" type="slidenum">
               <a:rPr lang="es-ES" noProof="0" smtClean="0"/>
               <a:pPr rtl="0"/>
-              <a:t>‹#›</a:t>
+              <a:t>‹Nº›</a:t>
             </a:fld>
             <a:endParaRPr lang="es-ES" noProof="0"/>
           </a:p>
@@ -5024,13 +5090,13 @@
   <p:clrMapOvr>
     <a:masterClrMapping/>
   </p:clrMapOvr>
-  <mc:AlternateContent xmlns:mc="http://schemas.openxmlformats.org/markup-compatibility/2006">
-    <mc:Choice xmlns:p14="http://schemas.microsoft.com/office/powerpoint/2010/main" Requires="p14">
+  <mc:AlternateContent xmlns:mc="http://schemas.openxmlformats.org/markup-compatibility/2006" xmlns:p14="http://schemas.microsoft.com/office/powerpoint/2010/main">
+    <mc:Choice Requires="p14">
       <p:transition spd="slow" p14:dur="3400">
         <p14:reveal/>
       </p:transition>
     </mc:Choice>
-    <mc:Fallback>
+    <mc:Fallback xmlns="">
       <p:transition spd="slow">
         <p:fade/>
       </p:transition>
@@ -5277,7 +5343,7 @@
             <a:pPr rtl="0"/>
             <a:fld id="{7E5FA2DA-5733-427A-A6E4-F93987852D46}" type="datetime1">
               <a:rPr lang="es-ES" noProof="0" smtClean="0"/>
-              <a:t>14/01/2024</a:t>
+              <a:t>15/01/2024</a:t>
             </a:fld>
             <a:endParaRPr lang="es-ES" noProof="0"/>
           </a:p>
@@ -5322,7 +5388,7 @@
             <a:fld id="{D57F1E4F-1CFF-5643-939E-217C01CDF565}" type="slidenum">
               <a:rPr lang="es-ES" noProof="0" smtClean="0"/>
               <a:pPr rtl="0"/>
-              <a:t>‹#›</a:t>
+              <a:t>‹Nº›</a:t>
             </a:fld>
             <a:endParaRPr lang="es-ES" noProof="0"/>
           </a:p>
@@ -5333,13 +5399,13 @@
   <p:clrMapOvr>
     <a:masterClrMapping/>
   </p:clrMapOvr>
-  <mc:AlternateContent xmlns:mc="http://schemas.openxmlformats.org/markup-compatibility/2006">
-    <mc:Choice xmlns:p14="http://schemas.microsoft.com/office/powerpoint/2010/main" Requires="p14">
+  <mc:AlternateContent xmlns:mc="http://schemas.openxmlformats.org/markup-compatibility/2006" xmlns:p14="http://schemas.microsoft.com/office/powerpoint/2010/main">
+    <mc:Choice Requires="p14">
       <p:transition spd="slow" p14:dur="3400">
         <p14:reveal/>
       </p:transition>
     </mc:Choice>
-    <mc:Fallback>
+    <mc:Fallback xmlns="">
       <p:transition spd="slow">
         <p:fade/>
       </p:transition>
@@ -5731,7 +5797,7 @@
             <a:pPr rtl="0"/>
             <a:fld id="{D5CE9E3D-3ADE-4DF1-A1D9-7E7CC02E5192}" type="datetime1">
               <a:rPr lang="es-ES" noProof="0" smtClean="0"/>
-              <a:t>14/01/2024</a:t>
+              <a:t>15/01/2024</a:t>
             </a:fld>
             <a:endParaRPr lang="es-ES" noProof="0"/>
           </a:p>
@@ -5776,7 +5842,7 @@
             <a:fld id="{D57F1E4F-1CFF-5643-939E-217C01CDF565}" type="slidenum">
               <a:rPr lang="es-ES" noProof="0" smtClean="0"/>
               <a:pPr rtl="0"/>
-              <a:t>‹#›</a:t>
+              <a:t>‹Nº›</a:t>
             </a:fld>
             <a:endParaRPr lang="es-ES" noProof="0"/>
           </a:p>
@@ -5787,13 +5853,13 @@
   <p:clrMapOvr>
     <a:masterClrMapping/>
   </p:clrMapOvr>
-  <mc:AlternateContent xmlns:mc="http://schemas.openxmlformats.org/markup-compatibility/2006">
-    <mc:Choice xmlns:p14="http://schemas.microsoft.com/office/powerpoint/2010/main" Requires="p14">
+  <mc:AlternateContent xmlns:mc="http://schemas.openxmlformats.org/markup-compatibility/2006" xmlns:p14="http://schemas.microsoft.com/office/powerpoint/2010/main">
+    <mc:Choice Requires="p14">
       <p:transition spd="slow" p14:dur="3400">
         <p14:reveal/>
       </p:transition>
     </mc:Choice>
-    <mc:Fallback>
+    <mc:Fallback xmlns="">
       <p:transition spd="slow">
         <p:fade/>
       </p:transition>
@@ -5861,7 +5927,7 @@
             <a:pPr rtl="0"/>
             <a:fld id="{44FC9326-D335-4482-B422-8C82941CA4B0}" type="datetime1">
               <a:rPr lang="es-ES" noProof="0" smtClean="0"/>
-              <a:t>14/01/2024</a:t>
+              <a:t>15/01/2024</a:t>
             </a:fld>
             <a:endParaRPr lang="es-ES" noProof="0"/>
           </a:p>
@@ -5906,7 +5972,7 @@
             <a:fld id="{D57F1E4F-1CFF-5643-939E-217C01CDF565}" type="slidenum">
               <a:rPr lang="es-ES" noProof="0" smtClean="0"/>
               <a:pPr rtl="0"/>
-              <a:t>‹#›</a:t>
+              <a:t>‹Nº›</a:t>
             </a:fld>
             <a:endParaRPr lang="es-ES" noProof="0"/>
           </a:p>
@@ -5917,13 +5983,13 @@
   <p:clrMapOvr>
     <a:masterClrMapping/>
   </p:clrMapOvr>
-  <mc:AlternateContent xmlns:mc="http://schemas.openxmlformats.org/markup-compatibility/2006">
-    <mc:Choice xmlns:p14="http://schemas.microsoft.com/office/powerpoint/2010/main" Requires="p14">
+  <mc:AlternateContent xmlns:mc="http://schemas.openxmlformats.org/markup-compatibility/2006" xmlns:p14="http://schemas.microsoft.com/office/powerpoint/2010/main">
+    <mc:Choice Requires="p14">
       <p:transition spd="slow" p14:dur="3400">
         <p14:reveal/>
       </p:transition>
     </mc:Choice>
-    <mc:Fallback>
+    <mc:Fallback xmlns="">
       <p:transition spd="slow">
         <p:fade/>
       </p:transition>
@@ -5967,7 +6033,7 @@
             <a:pPr rtl="0"/>
             <a:fld id="{D30E5112-B9D9-4E8F-BE71-92429ABF0518}" type="datetime1">
               <a:rPr lang="es-ES" noProof="0" smtClean="0"/>
-              <a:t>14/01/2024</a:t>
+              <a:t>15/01/2024</a:t>
             </a:fld>
             <a:endParaRPr lang="es-ES" noProof="0"/>
           </a:p>
@@ -6012,7 +6078,7 @@
             <a:fld id="{D57F1E4F-1CFF-5643-939E-217C01CDF565}" type="slidenum">
               <a:rPr lang="es-ES" noProof="0" smtClean="0"/>
               <a:pPr rtl="0"/>
-              <a:t>‹#›</a:t>
+              <a:t>‹Nº›</a:t>
             </a:fld>
             <a:endParaRPr lang="es-ES" noProof="0"/>
           </a:p>
@@ -6023,13 +6089,13 @@
   <p:clrMapOvr>
     <a:masterClrMapping/>
   </p:clrMapOvr>
-  <mc:AlternateContent xmlns:mc="http://schemas.openxmlformats.org/markup-compatibility/2006">
-    <mc:Choice xmlns:p14="http://schemas.microsoft.com/office/powerpoint/2010/main" Requires="p14">
+  <mc:AlternateContent xmlns:mc="http://schemas.openxmlformats.org/markup-compatibility/2006" xmlns:p14="http://schemas.microsoft.com/office/powerpoint/2010/main">
+    <mc:Choice Requires="p14">
       <p:transition spd="slow" p14:dur="3400">
         <p14:reveal/>
       </p:transition>
     </mc:Choice>
-    <mc:Fallback>
+    <mc:Fallback xmlns="">
       <p:transition spd="slow">
         <p:fade/>
       </p:transition>
@@ -6262,7 +6328,7 @@
             <a:pPr rtl="0"/>
             <a:fld id="{2D0F5DBD-C903-46D8-AEC6-8BE95F985FF8}" type="datetime1">
               <a:rPr lang="es-ES" noProof="0" smtClean="0"/>
-              <a:t>14/01/2024</a:t>
+              <a:t>15/01/2024</a:t>
             </a:fld>
             <a:endParaRPr lang="es-ES" noProof="0"/>
           </a:p>
@@ -6307,7 +6373,7 @@
             <a:fld id="{D57F1E4F-1CFF-5643-939E-217C01CDF565}" type="slidenum">
               <a:rPr lang="es-ES" noProof="0" smtClean="0"/>
               <a:pPr rtl="0"/>
-              <a:t>‹#›</a:t>
+              <a:t>‹Nº›</a:t>
             </a:fld>
             <a:endParaRPr lang="es-ES" noProof="0"/>
           </a:p>
@@ -6318,13 +6384,13 @@
   <p:clrMapOvr>
     <a:masterClrMapping/>
   </p:clrMapOvr>
-  <mc:AlternateContent xmlns:mc="http://schemas.openxmlformats.org/markup-compatibility/2006">
-    <mc:Choice xmlns:p14="http://schemas.microsoft.com/office/powerpoint/2010/main" Requires="p14">
+  <mc:AlternateContent xmlns:mc="http://schemas.openxmlformats.org/markup-compatibility/2006" xmlns:p14="http://schemas.microsoft.com/office/powerpoint/2010/main">
+    <mc:Choice Requires="p14">
       <p:transition spd="slow" p14:dur="3400">
         <p14:reveal/>
       </p:transition>
     </mc:Choice>
-    <mc:Fallback>
+    <mc:Fallback xmlns="">
       <p:transition spd="slow">
         <p:fade/>
       </p:transition>
@@ -6566,7 +6632,7 @@
             <a:pPr rtl="0"/>
             <a:fld id="{C22FBBBA-83D3-498E-95D4-92B773A35EDB}" type="datetime1">
               <a:rPr lang="es-ES" noProof="0" smtClean="0"/>
-              <a:t>14/01/2024</a:t>
+              <a:t>15/01/2024</a:t>
             </a:fld>
             <a:endParaRPr lang="es-ES" noProof="0"/>
           </a:p>
@@ -6611,7 +6677,7 @@
             <a:fld id="{D57F1E4F-1CFF-5643-939E-217C01CDF565}" type="slidenum">
               <a:rPr lang="es-ES" noProof="0" smtClean="0"/>
               <a:pPr rtl="0"/>
-              <a:t>‹#›</a:t>
+              <a:t>‹Nº›</a:t>
             </a:fld>
             <a:endParaRPr lang="es-ES" noProof="0"/>
           </a:p>
@@ -6622,13 +6688,13 @@
   <p:clrMapOvr>
     <a:masterClrMapping/>
   </p:clrMapOvr>
-  <mc:AlternateContent xmlns:mc="http://schemas.openxmlformats.org/markup-compatibility/2006">
-    <mc:Choice xmlns:p14="http://schemas.microsoft.com/office/powerpoint/2010/main" Requires="p14">
+  <mc:AlternateContent xmlns:mc="http://schemas.openxmlformats.org/markup-compatibility/2006" xmlns:p14="http://schemas.microsoft.com/office/powerpoint/2010/main">
+    <mc:Choice Requires="p14">
       <p:transition spd="slow" p14:dur="3400">
         <p14:reveal/>
       </p:transition>
     </mc:Choice>
-    <mc:Fallback>
+    <mc:Fallback xmlns="">
       <p:transition spd="slow">
         <p:fade/>
       </p:transition>
@@ -7106,7 +7172,7 @@
             <a:pPr rtl="0"/>
             <a:fld id="{D09AD70A-8DAE-432E-8680-A855CCFA5BFA}" type="datetime1">
               <a:rPr lang="es-ES" noProof="0" smtClean="0"/>
-              <a:t>14/01/2024</a:t>
+              <a:t>15/01/2024</a:t>
             </a:fld>
             <a:endParaRPr lang="es-ES" noProof="0"/>
           </a:p>
@@ -7187,7 +7253,7 @@
             <a:fld id="{D57F1E4F-1CFF-5643-939E-217C01CDF565}" type="slidenum">
               <a:rPr lang="es-ES" noProof="0" smtClean="0"/>
               <a:pPr rtl="0"/>
-              <a:t>‹#›</a:t>
+              <a:t>‹Nº›</a:t>
             </a:fld>
             <a:endParaRPr lang="es-ES" noProof="0"/>
           </a:p>
@@ -7215,13 +7281,13 @@
     <p:sldLayoutId id="2147483658" r:id="rId16"/>
     <p:sldLayoutId id="2147483659" r:id="rId17"/>
   </p:sldLayoutIdLst>
-  <mc:AlternateContent xmlns:mc="http://schemas.openxmlformats.org/markup-compatibility/2006">
-    <mc:Choice xmlns:p14="http://schemas.microsoft.com/office/powerpoint/2010/main" Requires="p14">
+  <mc:AlternateContent xmlns:mc="http://schemas.openxmlformats.org/markup-compatibility/2006" xmlns:p14="http://schemas.microsoft.com/office/powerpoint/2010/main">
+    <mc:Choice Requires="p14">
       <p:transition spd="slow" p14:dur="3400">
         <p14:reveal/>
       </p:transition>
     </mc:Choice>
-    <mc:Fallback>
+    <mc:Fallback xmlns="">
       <p:transition spd="slow">
         <p:fade/>
       </p:transition>
@@ -8235,7 +8301,7 @@
           <a:p>
             <a:pPr algn="l" rtl="0"/>
             <a:r>
-              <a:rPr lang="es-ES" sz="1600">
+              <a:rPr lang="es-ES" sz="1600" dirty="0">
                 <a:latin typeface="Arial" panose="020B0604020202020204" pitchFamily="34" charset="0"/>
                 <a:cs typeface="Arial" panose="020B0604020202020204" pitchFamily="34" charset="0"/>
               </a:rPr>
@@ -8245,35 +8311,21 @@
           <a:p>
             <a:pPr algn="l"/>
             <a:r>
-              <a:rPr lang="es-ES" sz="1600">
+              <a:rPr lang="es-ES" sz="1600" dirty="0">
                 <a:latin typeface="Arial" panose="020B0604020202020204" pitchFamily="34" charset="0"/>
                 <a:cs typeface="Arial" panose="020B0604020202020204" pitchFamily="34" charset="0"/>
               </a:rPr>
-              <a:t>Norman Sáenz </a:t>
-            </a:r>
-            <a:r>
-              <a:rPr lang="es-ES" sz="1600" err="1">
+              <a:t>Norman Sáenz Apezteguía 		2019003307</a:t>
+            </a:r>
+          </a:p>
+          <a:p>
+            <a:pPr algn="l"/>
+            <a:r>
+              <a:rPr lang="es-ES" sz="1600" dirty="0">
                 <a:latin typeface="Arial" panose="020B0604020202020204" pitchFamily="34" charset="0"/>
                 <a:cs typeface="Arial" panose="020B0604020202020204" pitchFamily="34" charset="0"/>
               </a:rPr>
-              <a:t>Apezteguía</a:t>
-            </a:r>
-            <a:r>
-              <a:rPr lang="es-ES" sz="1600">
-                <a:latin typeface="Arial" panose="020B0604020202020204" pitchFamily="34" charset="0"/>
-                <a:cs typeface="Arial" panose="020B0604020202020204" pitchFamily="34" charset="0"/>
-              </a:rPr>
-              <a:t> 		2019003307</a:t>
-            </a:r>
-          </a:p>
-          <a:p>
-            <a:pPr algn="l"/>
-            <a:r>
-              <a:rPr lang="es-ES" sz="1600">
-                <a:latin typeface="Arial" panose="020B0604020202020204" pitchFamily="34" charset="0"/>
-                <a:cs typeface="Arial" panose="020B0604020202020204" pitchFamily="34" charset="0"/>
-              </a:rPr>
-              <a:t>Mélanie Wong Herrera			</a:t>
+              <a:t>Mélanie Wong Herrera			2023042240</a:t>
             </a:r>
           </a:p>
         </p:txBody>
@@ -8288,13 +8340,13 @@
   <p:clrMapOvr>
     <a:overrideClrMapping bg1="dk1" tx1="lt1" bg2="dk2" tx2="lt2" accent1="accent1" accent2="accent2" accent3="accent3" accent4="accent4" accent5="accent5" accent6="accent6" hlink="hlink" folHlink="folHlink"/>
   </p:clrMapOvr>
-  <mc:AlternateContent xmlns:mc="http://schemas.openxmlformats.org/markup-compatibility/2006">
-    <mc:Choice xmlns:p14="http://schemas.microsoft.com/office/powerpoint/2010/main" Requires="p14">
+  <mc:AlternateContent xmlns:mc="http://schemas.openxmlformats.org/markup-compatibility/2006" xmlns:p14="http://schemas.microsoft.com/office/powerpoint/2010/main">
+    <mc:Choice Requires="p14">
       <p:transition spd="slow" p14:dur="3900">
         <p14:glitter dir="d"/>
       </p:transition>
     </mc:Choice>
-    <mc:Fallback>
+    <mc:Fallback xmlns="">
       <p:transition spd="slow">
         <p:fade/>
       </p:transition>
@@ -8709,13 +8761,13 @@
   <p:clrMapOvr>
     <a:masterClrMapping/>
   </p:clrMapOvr>
-  <mc:AlternateContent xmlns:mc="http://schemas.openxmlformats.org/markup-compatibility/2006">
-    <mc:Choice xmlns:p14="http://schemas.microsoft.com/office/powerpoint/2010/main" Requires="p14">
+  <mc:AlternateContent xmlns:mc="http://schemas.openxmlformats.org/markup-compatibility/2006" xmlns:p14="http://schemas.microsoft.com/office/powerpoint/2010/main">
+    <mc:Choice Requires="p14">
       <p:transition spd="slow" p14:dur="3400">
         <p14:reveal/>
       </p:transition>
     </mc:Choice>
-    <mc:Fallback>
+    <mc:Fallback xmlns="">
       <p:transition spd="slow">
         <p:fade/>
       </p:transition>
@@ -8869,13 +8921,13 @@
   <p:clrMapOvr>
     <a:masterClrMapping/>
   </p:clrMapOvr>
-  <mc:AlternateContent xmlns:mc="http://schemas.openxmlformats.org/markup-compatibility/2006">
-    <mc:Choice xmlns:p14="http://schemas.microsoft.com/office/powerpoint/2010/main" Requires="p14">
+  <mc:AlternateContent xmlns:mc="http://schemas.openxmlformats.org/markup-compatibility/2006" xmlns:p14="http://schemas.microsoft.com/office/powerpoint/2010/main">
+    <mc:Choice Requires="p14">
       <p:transition spd="slow" p14:dur="3400">
         <p14:reveal/>
       </p:transition>
     </mc:Choice>
-    <mc:Fallback>
+    <mc:Fallback xmlns="">
       <p:transition spd="slow">
         <p:fade/>
       </p:transition>
@@ -9264,13 +9316,13 @@
   <p:clrMapOvr>
     <a:masterClrMapping/>
   </p:clrMapOvr>
-  <mc:AlternateContent xmlns:mc="http://schemas.openxmlformats.org/markup-compatibility/2006">
-    <mc:Choice xmlns:p14="http://schemas.microsoft.com/office/powerpoint/2010/main" Requires="p14">
+  <mc:AlternateContent xmlns:mc="http://schemas.openxmlformats.org/markup-compatibility/2006" xmlns:p14="http://schemas.microsoft.com/office/powerpoint/2010/main">
+    <mc:Choice Requires="p14">
       <p:transition spd="slow" p14:dur="3400">
         <p14:reveal/>
       </p:transition>
     </mc:Choice>
-    <mc:Fallback>
+    <mc:Fallback xmlns="">
       <p:transition spd="slow">
         <p:fade/>
       </p:transition>
@@ -9298,21 +9350,27 @@
       </p:grpSpPr>
       <p:sp>
         <p:nvSpPr>
-          <p:cNvPr id="2" name="Título 1">
+          <p:cNvPr id="4" name="Título 1">
             <a:extLst>
               <a:ext uri="{FF2B5EF4-FFF2-40B4-BE49-F238E27FC236}">
-                <a16:creationId xmlns:a16="http://schemas.microsoft.com/office/drawing/2014/main" id="{858B58AA-8369-D29E-DAED-D30620E5AA4A}"/>
+                <a16:creationId xmlns:a16="http://schemas.microsoft.com/office/drawing/2014/main" id="{F8ED9E36-4CC7-F274-BC7C-4814C413999B}"/>
               </a:ext>
             </a:extLst>
           </p:cNvPr>
-          <p:cNvSpPr>
-            <a:spLocks noGrp="1"/>
-          </p:cNvSpPr>
-          <p:nvPr>
-            <p:ph type="title"/>
-          </p:nvPr>
-        </p:nvSpPr>
-        <p:spPr/>
+          <p:cNvSpPr txBox="1">
+            <a:spLocks/>
+          </p:cNvSpPr>
+          <p:nvPr/>
+        </p:nvSpPr>
+        <p:spPr>
+          <a:xfrm>
+            <a:off x="1081540" y="402772"/>
+            <a:ext cx="10018713" cy="1752599"/>
+          </a:xfrm>
+          <a:prstGeom prst="rect">
+            <a:avLst/>
+          </a:prstGeom>
+        </p:spPr>
         <p:style>
           <a:lnRef idx="3">
             <a:schemeClr val="lt1"/>
@@ -9328,22 +9386,123 @@
           </a:fontRef>
         </p:style>
         <p:txBody>
-          <a:bodyPr/>
-          <a:lstStyle/>
-          <a:p>
-            <a:r>
-              <a:rPr lang="es-CR"/>
-              <a:t>Patrón Composite</a:t>
-            </a:r>
-          </a:p>
-        </p:txBody>
-      </p:sp>
-      <p:sp>
-        <p:nvSpPr>
-          <p:cNvPr id="4" name="Marcador de contenido 2">
+          <a:bodyPr vert="horz" lIns="91440" tIns="45720" rIns="91440" bIns="45720" rtlCol="0" anchor="ctr">
+            <a:normAutofit/>
+          </a:bodyPr>
+          <a:lstStyle>
+            <a:lvl1pPr algn="ctr" defTabSz="457200" rtl="0" eaLnBrk="1" latinLnBrk="0" hangingPunct="1">
+              <a:spcBef>
+                <a:spcPct val="0"/>
+              </a:spcBef>
+              <a:buNone/>
+              <a:defRPr sz="4000" kern="1200" cap="none">
+                <a:ln w="3175" cmpd="sng">
+                  <a:noFill/>
+                </a:ln>
+                <a:solidFill>
+                  <a:schemeClr val="lt1"/>
+                </a:solidFill>
+                <a:effectLst/>
+                <a:latin typeface="+mn-lt"/>
+                <a:ea typeface="+mn-ea"/>
+                <a:cs typeface="+mn-cs"/>
+              </a:defRPr>
+            </a:lvl1pPr>
+            <a:lvl2pPr eaLnBrk="1" hangingPunct="1">
+              <a:defRPr>
+                <a:solidFill>
+                  <a:schemeClr val="lt1"/>
+                </a:solidFill>
+                <a:latin typeface="+mn-lt"/>
+                <a:ea typeface="+mn-ea"/>
+                <a:cs typeface="+mn-cs"/>
+              </a:defRPr>
+            </a:lvl2pPr>
+            <a:lvl3pPr eaLnBrk="1" hangingPunct="1">
+              <a:defRPr>
+                <a:solidFill>
+                  <a:schemeClr val="lt1"/>
+                </a:solidFill>
+                <a:latin typeface="+mn-lt"/>
+                <a:ea typeface="+mn-ea"/>
+                <a:cs typeface="+mn-cs"/>
+              </a:defRPr>
+            </a:lvl3pPr>
+            <a:lvl4pPr eaLnBrk="1" hangingPunct="1">
+              <a:defRPr>
+                <a:solidFill>
+                  <a:schemeClr val="lt1"/>
+                </a:solidFill>
+                <a:latin typeface="+mn-lt"/>
+                <a:ea typeface="+mn-ea"/>
+                <a:cs typeface="+mn-cs"/>
+              </a:defRPr>
+            </a:lvl4pPr>
+            <a:lvl5pPr eaLnBrk="1" hangingPunct="1">
+              <a:defRPr>
+                <a:solidFill>
+                  <a:schemeClr val="lt1"/>
+                </a:solidFill>
+                <a:latin typeface="+mn-lt"/>
+                <a:ea typeface="+mn-ea"/>
+                <a:cs typeface="+mn-cs"/>
+              </a:defRPr>
+            </a:lvl5pPr>
+            <a:lvl6pPr eaLnBrk="1" hangingPunct="1">
+              <a:defRPr>
+                <a:solidFill>
+                  <a:schemeClr val="lt1"/>
+                </a:solidFill>
+                <a:latin typeface="+mn-lt"/>
+                <a:ea typeface="+mn-ea"/>
+                <a:cs typeface="+mn-cs"/>
+              </a:defRPr>
+            </a:lvl6pPr>
+            <a:lvl7pPr eaLnBrk="1" hangingPunct="1">
+              <a:defRPr>
+                <a:solidFill>
+                  <a:schemeClr val="lt1"/>
+                </a:solidFill>
+                <a:latin typeface="+mn-lt"/>
+                <a:ea typeface="+mn-ea"/>
+                <a:cs typeface="+mn-cs"/>
+              </a:defRPr>
+            </a:lvl7pPr>
+            <a:lvl8pPr eaLnBrk="1" hangingPunct="1">
+              <a:defRPr>
+                <a:solidFill>
+                  <a:schemeClr val="lt1"/>
+                </a:solidFill>
+                <a:latin typeface="+mn-lt"/>
+                <a:ea typeface="+mn-ea"/>
+                <a:cs typeface="+mn-cs"/>
+              </a:defRPr>
+            </a:lvl8pPr>
+            <a:lvl9pPr eaLnBrk="1" hangingPunct="1">
+              <a:defRPr>
+                <a:solidFill>
+                  <a:schemeClr val="lt1"/>
+                </a:solidFill>
+                <a:latin typeface="+mn-lt"/>
+                <a:ea typeface="+mn-ea"/>
+                <a:cs typeface="+mn-cs"/>
+              </a:defRPr>
+            </a:lvl9pPr>
+          </a:lstStyle>
+          <a:p>
+            <a:r>
+              <a:rPr lang="es-ES" dirty="0"/>
+              <a:t>Ejemplo Bridge</a:t>
+            </a:r>
+          </a:p>
+        </p:txBody>
+      </p:sp>
+      <p:sp>
+        <p:nvSpPr>
+          <p:cNvPr id="6" name="Título 1">
             <a:extLst>
               <a:ext uri="{FF2B5EF4-FFF2-40B4-BE49-F238E27FC236}">
-                <a16:creationId xmlns:a16="http://schemas.microsoft.com/office/drawing/2014/main" id="{40221D21-2094-CFF7-B4AB-4401162C818A}"/>
+                <a16:creationId xmlns:a16="http://schemas.microsoft.com/office/drawing/2014/main" id="{A126177D-0B4D-38BB-2822-AB69975A7FBB}"/>
               </a:ext>
             </a:extLst>
           </p:cNvPr>
@@ -9354,50 +9513,43 @@
         </p:nvSpPr>
         <p:spPr>
           <a:xfrm>
-            <a:off x="5272538" y="2982685"/>
-            <a:ext cx="2453143" cy="1186545"/>
+            <a:off x="1081540" y="2688772"/>
+            <a:ext cx="10018713" cy="1752599"/>
           </a:xfrm>
           <a:prstGeom prst="rect">
             <a:avLst/>
           </a:prstGeom>
         </p:spPr>
         <p:style>
-          <a:lnRef idx="2">
-            <a:schemeClr val="accent1"/>
+          <a:lnRef idx="3">
+            <a:schemeClr val="lt1"/>
           </a:lnRef>
           <a:fillRef idx="1">
-            <a:schemeClr val="lt1"/>
+            <a:schemeClr val="dk1"/>
           </a:fillRef>
-          <a:effectRef idx="0">
-            <a:schemeClr val="accent1"/>
+          <a:effectRef idx="1">
+            <a:schemeClr val="dk1"/>
           </a:effectRef>
           <a:fontRef idx="minor">
-            <a:schemeClr val="dk1"/>
+            <a:schemeClr val="lt1"/>
           </a:fontRef>
         </p:style>
         <p:txBody>
-          <a:bodyPr lIns="91440" tIns="45720" rIns="91440" bIns="45720" anchor="ctr">
+          <a:bodyPr vert="horz" lIns="91440" tIns="45720" rIns="91440" bIns="45720" rtlCol="0" anchor="ctr">
             <a:normAutofit/>
           </a:bodyPr>
           <a:lstStyle>
-            <a:lvl1pPr marL="285750" indent="-285750" algn="l" defTabSz="457200" rtl="0" eaLnBrk="1" latinLnBrk="0" hangingPunct="1">
+            <a:lvl1pPr algn="ctr" defTabSz="457200" rtl="0" eaLnBrk="1" latinLnBrk="0" hangingPunct="1">
               <a:spcBef>
-                <a:spcPct val="20000"/>
+                <a:spcPct val="0"/>
               </a:spcBef>
-              <a:spcAft>
-                <a:spcPts val="600"/>
-              </a:spcAft>
-              <a:buClr>
-                <a:schemeClr val="accent1">
-                  <a:lumMod val="75000"/>
-                </a:schemeClr>
-              </a:buClr>
-              <a:buSzPct val="145000"/>
-              <a:buFont typeface="Arial"/>
-              <a:buChar char="•"/>
-              <a:defRPr sz="2400" kern="1200" cap="none">
-                <a:solidFill>
-                  <a:schemeClr val="dk1"/>
+              <a:buNone/>
+              <a:defRPr sz="4000" kern="1200" cap="none">
+                <a:ln w="3175" cmpd="sng">
+                  <a:noFill/>
+                </a:ln>
+                <a:solidFill>
+                  <a:schemeClr val="lt1"/>
                 </a:solidFill>
                 <a:effectLst/>
                 <a:latin typeface="+mn-lt"/>
@@ -9405,201 +9557,81 @@
                 <a:cs typeface="+mn-cs"/>
               </a:defRPr>
             </a:lvl1pPr>
-            <a:lvl2pPr marL="742950" indent="-285750" algn="l" defTabSz="457200" rtl="0" eaLnBrk="1" latinLnBrk="0" hangingPunct="1">
-              <a:spcBef>
-                <a:spcPct val="20000"/>
-              </a:spcBef>
-              <a:spcAft>
-                <a:spcPts val="600"/>
-              </a:spcAft>
-              <a:buClr>
-                <a:schemeClr val="accent1">
-                  <a:lumMod val="75000"/>
-                </a:schemeClr>
-              </a:buClr>
-              <a:buSzPct val="145000"/>
-              <a:buFont typeface="Arial"/>
-              <a:buChar char="•"/>
-              <a:defRPr sz="2000" kern="1200" cap="none">
-                <a:solidFill>
-                  <a:schemeClr val="dk1"/>
-                </a:solidFill>
-                <a:effectLst/>
+            <a:lvl2pPr eaLnBrk="1" hangingPunct="1">
+              <a:defRPr>
+                <a:solidFill>
+                  <a:schemeClr val="lt1"/>
+                </a:solidFill>
                 <a:latin typeface="+mn-lt"/>
                 <a:ea typeface="+mn-ea"/>
                 <a:cs typeface="+mn-cs"/>
               </a:defRPr>
             </a:lvl2pPr>
-            <a:lvl3pPr marL="1200150" indent="-285750" algn="l" defTabSz="457200" rtl="0" eaLnBrk="1" latinLnBrk="0" hangingPunct="1">
-              <a:spcBef>
-                <a:spcPct val="20000"/>
-              </a:spcBef>
-              <a:spcAft>
-                <a:spcPts val="600"/>
-              </a:spcAft>
-              <a:buClr>
-                <a:schemeClr val="accent1">
-                  <a:lumMod val="75000"/>
-                </a:schemeClr>
-              </a:buClr>
-              <a:buSzPct val="145000"/>
-              <a:buFont typeface="Arial"/>
-              <a:buChar char="•"/>
-              <a:defRPr sz="1800" kern="1200" cap="none">
-                <a:solidFill>
-                  <a:schemeClr val="dk1"/>
-                </a:solidFill>
-                <a:effectLst/>
+            <a:lvl3pPr eaLnBrk="1" hangingPunct="1">
+              <a:defRPr>
+                <a:solidFill>
+                  <a:schemeClr val="lt1"/>
+                </a:solidFill>
                 <a:latin typeface="+mn-lt"/>
                 <a:ea typeface="+mn-ea"/>
                 <a:cs typeface="+mn-cs"/>
               </a:defRPr>
             </a:lvl3pPr>
-            <a:lvl4pPr marL="1543050" indent="-171450" algn="l" defTabSz="457200" rtl="0" eaLnBrk="1" latinLnBrk="0" hangingPunct="1">
-              <a:spcBef>
-                <a:spcPct val="20000"/>
-              </a:spcBef>
-              <a:spcAft>
-                <a:spcPts val="600"/>
-              </a:spcAft>
-              <a:buClr>
-                <a:schemeClr val="accent1">
-                  <a:lumMod val="75000"/>
-                </a:schemeClr>
-              </a:buClr>
-              <a:buSzPct val="145000"/>
-              <a:buFont typeface="Arial"/>
-              <a:buChar char="•"/>
-              <a:defRPr sz="1600" kern="1200" cap="none">
-                <a:solidFill>
-                  <a:schemeClr val="dk1"/>
-                </a:solidFill>
-                <a:effectLst/>
+            <a:lvl4pPr eaLnBrk="1" hangingPunct="1">
+              <a:defRPr>
+                <a:solidFill>
+                  <a:schemeClr val="lt1"/>
+                </a:solidFill>
                 <a:latin typeface="+mn-lt"/>
                 <a:ea typeface="+mn-ea"/>
                 <a:cs typeface="+mn-cs"/>
               </a:defRPr>
             </a:lvl4pPr>
-            <a:lvl5pPr marL="2000250" indent="-171450" algn="l" defTabSz="457200" rtl="0" eaLnBrk="1" latinLnBrk="0" hangingPunct="1">
-              <a:spcBef>
-                <a:spcPct val="20000"/>
-              </a:spcBef>
-              <a:spcAft>
-                <a:spcPts val="600"/>
-              </a:spcAft>
-              <a:buClr>
-                <a:schemeClr val="accent1">
-                  <a:lumMod val="75000"/>
-                </a:schemeClr>
-              </a:buClr>
-              <a:buSzPct val="145000"/>
-              <a:buFont typeface="Arial"/>
-              <a:buChar char="•"/>
-              <a:defRPr sz="1400" kern="1200" cap="none">
-                <a:solidFill>
-                  <a:schemeClr val="dk1"/>
-                </a:solidFill>
-                <a:effectLst/>
+            <a:lvl5pPr eaLnBrk="1" hangingPunct="1">
+              <a:defRPr>
+                <a:solidFill>
+                  <a:schemeClr val="lt1"/>
+                </a:solidFill>
                 <a:latin typeface="+mn-lt"/>
                 <a:ea typeface="+mn-ea"/>
                 <a:cs typeface="+mn-cs"/>
               </a:defRPr>
             </a:lvl5pPr>
-            <a:lvl6pPr marL="2514600" indent="-228600" algn="l" defTabSz="457200" rtl="0" eaLnBrk="1" latinLnBrk="0" hangingPunct="1">
-              <a:spcBef>
-                <a:spcPct val="20000"/>
-              </a:spcBef>
-              <a:spcAft>
-                <a:spcPts val="600"/>
-              </a:spcAft>
-              <a:buClr>
-                <a:schemeClr val="accent1">
-                  <a:lumMod val="75000"/>
-                </a:schemeClr>
-              </a:buClr>
-              <a:buSzPct val="145000"/>
-              <a:buFont typeface="Arial"/>
-              <a:buChar char="•"/>
-              <a:defRPr sz="1400" kern="1200" cap="none">
-                <a:solidFill>
-                  <a:schemeClr val="dk1"/>
-                </a:solidFill>
-                <a:effectLst/>
+            <a:lvl6pPr eaLnBrk="1" hangingPunct="1">
+              <a:defRPr>
+                <a:solidFill>
+                  <a:schemeClr val="lt1"/>
+                </a:solidFill>
                 <a:latin typeface="+mn-lt"/>
                 <a:ea typeface="+mn-ea"/>
                 <a:cs typeface="+mn-cs"/>
               </a:defRPr>
             </a:lvl6pPr>
-            <a:lvl7pPr marL="2971800" indent="-228600" algn="l" defTabSz="457200" rtl="0" eaLnBrk="1" latinLnBrk="0" hangingPunct="1">
-              <a:spcBef>
-                <a:spcPct val="20000"/>
-              </a:spcBef>
-              <a:spcAft>
-                <a:spcPts val="600"/>
-              </a:spcAft>
-              <a:buClr>
-                <a:schemeClr val="accent1">
-                  <a:lumMod val="75000"/>
-                </a:schemeClr>
-              </a:buClr>
-              <a:buSzPct val="145000"/>
-              <a:buFont typeface="Arial"/>
-              <a:buChar char="•"/>
-              <a:defRPr sz="1400" kern="1200" cap="none">
-                <a:solidFill>
-                  <a:schemeClr val="dk1"/>
-                </a:solidFill>
-                <a:effectLst/>
+            <a:lvl7pPr eaLnBrk="1" hangingPunct="1">
+              <a:defRPr>
+                <a:solidFill>
+                  <a:schemeClr val="lt1"/>
+                </a:solidFill>
                 <a:latin typeface="+mn-lt"/>
                 <a:ea typeface="+mn-ea"/>
                 <a:cs typeface="+mn-cs"/>
               </a:defRPr>
             </a:lvl7pPr>
-            <a:lvl8pPr marL="3429000" indent="-228600" algn="l" defTabSz="457200" rtl="0" eaLnBrk="1" latinLnBrk="0" hangingPunct="1">
-              <a:spcBef>
-                <a:spcPct val="20000"/>
-              </a:spcBef>
-              <a:spcAft>
-                <a:spcPts val="600"/>
-              </a:spcAft>
-              <a:buClr>
-                <a:schemeClr val="accent1">
-                  <a:lumMod val="75000"/>
-                </a:schemeClr>
-              </a:buClr>
-              <a:buSzPct val="145000"/>
-              <a:buFont typeface="Arial"/>
-              <a:buChar char="•"/>
-              <a:defRPr sz="1400" kern="1200" cap="none">
-                <a:solidFill>
-                  <a:schemeClr val="dk1"/>
-                </a:solidFill>
-                <a:effectLst/>
+            <a:lvl8pPr eaLnBrk="1" hangingPunct="1">
+              <a:defRPr>
+                <a:solidFill>
+                  <a:schemeClr val="lt1"/>
+                </a:solidFill>
                 <a:latin typeface="+mn-lt"/>
                 <a:ea typeface="+mn-ea"/>
                 <a:cs typeface="+mn-cs"/>
               </a:defRPr>
             </a:lvl8pPr>
-            <a:lvl9pPr marL="3886200" indent="-228600" algn="l" defTabSz="457200" rtl="0" eaLnBrk="1" latinLnBrk="0" hangingPunct="1">
-              <a:spcBef>
-                <a:spcPct val="20000"/>
-              </a:spcBef>
-              <a:spcAft>
-                <a:spcPts val="600"/>
-              </a:spcAft>
-              <a:buClr>
-                <a:schemeClr val="accent1">
-                  <a:lumMod val="75000"/>
-                </a:schemeClr>
-              </a:buClr>
-              <a:buSzPct val="145000"/>
-              <a:buFont typeface="Arial"/>
-              <a:buChar char="•"/>
-              <a:defRPr sz="1400" kern="1200" cap="none">
-                <a:solidFill>
-                  <a:schemeClr val="dk1"/>
-                </a:solidFill>
-                <a:effectLst/>
+            <a:lvl9pPr eaLnBrk="1" hangingPunct="1">
+              <a:defRPr>
+                <a:solidFill>
+                  <a:schemeClr val="lt1"/>
+                </a:solidFill>
                 <a:latin typeface="+mn-lt"/>
                 <a:ea typeface="+mn-ea"/>
                 <a:cs typeface="+mn-cs"/>
@@ -9607,318 +9639,35 @@
             </a:lvl9pPr>
           </a:lstStyle>
           <a:p>
-            <a:pPr marL="0" indent="0" algn="ctr">
-              <a:buClr>
-                <a:srgbClr val="30ACEC">
-                  <a:lumMod val="75000"/>
-                </a:srgbClr>
-              </a:buClr>
-              <a:buNone/>
-            </a:pPr>
-            <a:r>
-              <a:rPr lang="es-CR" sz="2800"/>
-              <a:t>Propósito</a:t>
-            </a:r>
-            <a:endParaRPr lang="es-ES" sz="2800"/>
-          </a:p>
-        </p:txBody>
-      </p:sp>
-      <p:sp>
-        <p:nvSpPr>
-          <p:cNvPr id="7" name="Marcador de contenido 2">
-            <a:extLst>
-              <a:ext uri="{FF2B5EF4-FFF2-40B4-BE49-F238E27FC236}">
-                <a16:creationId xmlns:a16="http://schemas.microsoft.com/office/drawing/2014/main" id="{F5459E38-D720-D8DF-0E65-117085073A15}"/>
-              </a:ext>
-            </a:extLst>
-          </p:cNvPr>
-          <p:cNvSpPr txBox="1">
-            <a:spLocks/>
-          </p:cNvSpPr>
-          <p:nvPr/>
-        </p:nvSpPr>
-        <p:spPr>
-          <a:xfrm>
-            <a:off x="4935081" y="4561114"/>
-            <a:ext cx="3128056" cy="1186545"/>
-          </a:xfrm>
-          <a:prstGeom prst="rect">
-            <a:avLst/>
-          </a:prstGeom>
-        </p:spPr>
-        <p:style>
-          <a:lnRef idx="2">
-            <a:schemeClr val="accent1"/>
-          </a:lnRef>
-          <a:fillRef idx="1">
-            <a:schemeClr val="lt1"/>
-          </a:fillRef>
-          <a:effectRef idx="0">
-            <a:schemeClr val="accent1"/>
-          </a:effectRef>
-          <a:fontRef idx="minor">
-            <a:schemeClr val="dk1"/>
-          </a:fontRef>
-        </p:style>
-        <p:txBody>
-          <a:bodyPr vert="horz" lIns="91440" tIns="45720" rIns="91440" bIns="45720" rtlCol="0" anchor="ctr">
-            <a:normAutofit/>
-          </a:bodyPr>
-          <a:lstStyle>
-            <a:lvl1pPr marL="285750" indent="-285750" algn="l" defTabSz="457200" rtl="0" eaLnBrk="1" latinLnBrk="0" hangingPunct="1">
-              <a:spcBef>
-                <a:spcPct val="20000"/>
-              </a:spcBef>
-              <a:spcAft>
-                <a:spcPts val="600"/>
-              </a:spcAft>
-              <a:buClr>
-                <a:schemeClr val="accent1">
-                  <a:lumMod val="75000"/>
-                </a:schemeClr>
-              </a:buClr>
-              <a:buSzPct val="145000"/>
-              <a:buFont typeface="Arial"/>
-              <a:buChar char="•"/>
-              <a:defRPr sz="2400" kern="1200" cap="none">
-                <a:solidFill>
-                  <a:schemeClr val="dk1"/>
-                </a:solidFill>
-                <a:effectLst/>
-                <a:latin typeface="+mn-lt"/>
-                <a:ea typeface="+mn-ea"/>
-                <a:cs typeface="+mn-cs"/>
-              </a:defRPr>
-            </a:lvl1pPr>
-            <a:lvl2pPr marL="742950" indent="-285750" algn="l" defTabSz="457200" rtl="0" eaLnBrk="1" latinLnBrk="0" hangingPunct="1">
-              <a:spcBef>
-                <a:spcPct val="20000"/>
-              </a:spcBef>
-              <a:spcAft>
-                <a:spcPts val="600"/>
-              </a:spcAft>
-              <a:buClr>
-                <a:schemeClr val="accent1">
-                  <a:lumMod val="75000"/>
-                </a:schemeClr>
-              </a:buClr>
-              <a:buSzPct val="145000"/>
-              <a:buFont typeface="Arial"/>
-              <a:buChar char="•"/>
-              <a:defRPr sz="2000" kern="1200" cap="none">
-                <a:solidFill>
-                  <a:schemeClr val="dk1"/>
-                </a:solidFill>
-                <a:effectLst/>
-                <a:latin typeface="+mn-lt"/>
-                <a:ea typeface="+mn-ea"/>
-                <a:cs typeface="+mn-cs"/>
-              </a:defRPr>
-            </a:lvl2pPr>
-            <a:lvl3pPr marL="1200150" indent="-285750" algn="l" defTabSz="457200" rtl="0" eaLnBrk="1" latinLnBrk="0" hangingPunct="1">
-              <a:spcBef>
-                <a:spcPct val="20000"/>
-              </a:spcBef>
-              <a:spcAft>
-                <a:spcPts val="600"/>
-              </a:spcAft>
-              <a:buClr>
-                <a:schemeClr val="accent1">
-                  <a:lumMod val="75000"/>
-                </a:schemeClr>
-              </a:buClr>
-              <a:buSzPct val="145000"/>
-              <a:buFont typeface="Arial"/>
-              <a:buChar char="•"/>
-              <a:defRPr sz="1800" kern="1200" cap="none">
-                <a:solidFill>
-                  <a:schemeClr val="dk1"/>
-                </a:solidFill>
-                <a:effectLst/>
-                <a:latin typeface="+mn-lt"/>
-                <a:ea typeface="+mn-ea"/>
-                <a:cs typeface="+mn-cs"/>
-              </a:defRPr>
-            </a:lvl3pPr>
-            <a:lvl4pPr marL="1543050" indent="-171450" algn="l" defTabSz="457200" rtl="0" eaLnBrk="1" latinLnBrk="0" hangingPunct="1">
-              <a:spcBef>
-                <a:spcPct val="20000"/>
-              </a:spcBef>
-              <a:spcAft>
-                <a:spcPts val="600"/>
-              </a:spcAft>
-              <a:buClr>
-                <a:schemeClr val="accent1">
-                  <a:lumMod val="75000"/>
-                </a:schemeClr>
-              </a:buClr>
-              <a:buSzPct val="145000"/>
-              <a:buFont typeface="Arial"/>
-              <a:buChar char="•"/>
-              <a:defRPr sz="1600" kern="1200" cap="none">
-                <a:solidFill>
-                  <a:schemeClr val="dk1"/>
-                </a:solidFill>
-                <a:effectLst/>
-                <a:latin typeface="+mn-lt"/>
-                <a:ea typeface="+mn-ea"/>
-                <a:cs typeface="+mn-cs"/>
-              </a:defRPr>
-            </a:lvl4pPr>
-            <a:lvl5pPr marL="2000250" indent="-171450" algn="l" defTabSz="457200" rtl="0" eaLnBrk="1" latinLnBrk="0" hangingPunct="1">
-              <a:spcBef>
-                <a:spcPct val="20000"/>
-              </a:spcBef>
-              <a:spcAft>
-                <a:spcPts val="600"/>
-              </a:spcAft>
-              <a:buClr>
-                <a:schemeClr val="accent1">
-                  <a:lumMod val="75000"/>
-                </a:schemeClr>
-              </a:buClr>
-              <a:buSzPct val="145000"/>
-              <a:buFont typeface="Arial"/>
-              <a:buChar char="•"/>
-              <a:defRPr sz="1400" kern="1200" cap="none">
-                <a:solidFill>
-                  <a:schemeClr val="dk1"/>
-                </a:solidFill>
-                <a:effectLst/>
-                <a:latin typeface="+mn-lt"/>
-                <a:ea typeface="+mn-ea"/>
-                <a:cs typeface="+mn-cs"/>
-              </a:defRPr>
-            </a:lvl5pPr>
-            <a:lvl6pPr marL="2514600" indent="-228600" algn="l" defTabSz="457200" rtl="0" eaLnBrk="1" latinLnBrk="0" hangingPunct="1">
-              <a:spcBef>
-                <a:spcPct val="20000"/>
-              </a:spcBef>
-              <a:spcAft>
-                <a:spcPts val="600"/>
-              </a:spcAft>
-              <a:buClr>
-                <a:schemeClr val="accent1">
-                  <a:lumMod val="75000"/>
-                </a:schemeClr>
-              </a:buClr>
-              <a:buSzPct val="145000"/>
-              <a:buFont typeface="Arial"/>
-              <a:buChar char="•"/>
-              <a:defRPr sz="1400" kern="1200" cap="none">
-                <a:solidFill>
-                  <a:schemeClr val="dk1"/>
-                </a:solidFill>
-                <a:effectLst/>
-                <a:latin typeface="+mn-lt"/>
-                <a:ea typeface="+mn-ea"/>
-                <a:cs typeface="+mn-cs"/>
-              </a:defRPr>
-            </a:lvl6pPr>
-            <a:lvl7pPr marL="2971800" indent="-228600" algn="l" defTabSz="457200" rtl="0" eaLnBrk="1" latinLnBrk="0" hangingPunct="1">
-              <a:spcBef>
-                <a:spcPct val="20000"/>
-              </a:spcBef>
-              <a:spcAft>
-                <a:spcPts val="600"/>
-              </a:spcAft>
-              <a:buClr>
-                <a:schemeClr val="accent1">
-                  <a:lumMod val="75000"/>
-                </a:schemeClr>
-              </a:buClr>
-              <a:buSzPct val="145000"/>
-              <a:buFont typeface="Arial"/>
-              <a:buChar char="•"/>
-              <a:defRPr sz="1400" kern="1200" cap="none">
-                <a:solidFill>
-                  <a:schemeClr val="dk1"/>
-                </a:solidFill>
-                <a:effectLst/>
-                <a:latin typeface="+mn-lt"/>
-                <a:ea typeface="+mn-ea"/>
-                <a:cs typeface="+mn-cs"/>
-              </a:defRPr>
-            </a:lvl7pPr>
-            <a:lvl8pPr marL="3429000" indent="-228600" algn="l" defTabSz="457200" rtl="0" eaLnBrk="1" latinLnBrk="0" hangingPunct="1">
-              <a:spcBef>
-                <a:spcPct val="20000"/>
-              </a:spcBef>
-              <a:spcAft>
-                <a:spcPts val="600"/>
-              </a:spcAft>
-              <a:buClr>
-                <a:schemeClr val="accent1">
-                  <a:lumMod val="75000"/>
-                </a:schemeClr>
-              </a:buClr>
-              <a:buSzPct val="145000"/>
-              <a:buFont typeface="Arial"/>
-              <a:buChar char="•"/>
-              <a:defRPr sz="1400" kern="1200" cap="none">
-                <a:solidFill>
-                  <a:schemeClr val="dk1"/>
-                </a:solidFill>
-                <a:effectLst/>
-                <a:latin typeface="+mn-lt"/>
-                <a:ea typeface="+mn-ea"/>
-                <a:cs typeface="+mn-cs"/>
-              </a:defRPr>
-            </a:lvl8pPr>
-            <a:lvl9pPr marL="3886200" indent="-228600" algn="l" defTabSz="457200" rtl="0" eaLnBrk="1" latinLnBrk="0" hangingPunct="1">
-              <a:spcBef>
-                <a:spcPct val="20000"/>
-              </a:spcBef>
-              <a:spcAft>
-                <a:spcPts val="600"/>
-              </a:spcAft>
-              <a:buClr>
-                <a:schemeClr val="accent1">
-                  <a:lumMod val="75000"/>
-                </a:schemeClr>
-              </a:buClr>
-              <a:buSzPct val="145000"/>
-              <a:buFont typeface="Arial"/>
-              <a:buChar char="•"/>
-              <a:defRPr sz="1400" kern="1200" cap="none">
-                <a:solidFill>
-                  <a:schemeClr val="dk1"/>
-                </a:solidFill>
-                <a:effectLst/>
-                <a:latin typeface="+mn-lt"/>
-                <a:ea typeface="+mn-ea"/>
-                <a:cs typeface="+mn-cs"/>
-              </a:defRPr>
-            </a:lvl9pPr>
-          </a:lstStyle>
-          <a:p>
-            <a:pPr marL="0" indent="0" algn="ctr">
-              <a:buNone/>
-            </a:pPr>
-            <a:r>
-              <a:rPr lang="es-CR" sz="2800"/>
-              <a:t>¿Cómo funciona?</a:t>
-            </a:r>
+            <a:r>
+              <a:rPr lang="es-ES" sz="2400" dirty="0">
+                <a:ea typeface="+mn-lt"/>
+                <a:cs typeface="+mn-lt"/>
+                <a:hlinkClick r:id="rId2"/>
+              </a:rPr>
+              <a:t>https://drive.google.com/file/d/1DEUjfBo082afYqhApN8hJtrlfe4vjOaj/view?usp=sharing</a:t>
+            </a:r>
+            <a:endParaRPr lang="es-ES"/>
           </a:p>
         </p:txBody>
       </p:sp>
     </p:spTree>
     <p:extLst>
       <p:ext uri="{BB962C8B-B14F-4D97-AF65-F5344CB8AC3E}">
-        <p14:creationId xmlns:p14="http://schemas.microsoft.com/office/powerpoint/2010/main" val="1755737927"/>
+        <p14:creationId xmlns:p14="http://schemas.microsoft.com/office/powerpoint/2010/main" val="2696183822"/>
       </p:ext>
     </p:extLst>
   </p:cSld>
   <p:clrMapOvr>
     <a:masterClrMapping/>
   </p:clrMapOvr>
-  <mc:AlternateContent xmlns:mc="http://schemas.openxmlformats.org/markup-compatibility/2006">
-    <mc:Choice xmlns:p14="http://schemas.microsoft.com/office/powerpoint/2010/main" Requires="p14">
+  <mc:AlternateContent xmlns:mc="http://schemas.openxmlformats.org/markup-compatibility/2006" xmlns:p14="http://schemas.microsoft.com/office/powerpoint/2010/main">
+    <mc:Choice Requires="p14">
       <p:transition spd="slow" p14:dur="3400">
         <p14:reveal/>
       </p:transition>
     </mc:Choice>
-    <mc:Fallback>
+    <mc:Fallback xmlns="">
       <p:transition spd="slow">
         <p:fade/>
       </p:transition>
@@ -9949,7 +9698,7 @@
           <p:cNvPr id="2" name="Título 1">
             <a:extLst>
               <a:ext uri="{FF2B5EF4-FFF2-40B4-BE49-F238E27FC236}">
-                <a16:creationId xmlns:a16="http://schemas.microsoft.com/office/drawing/2014/main" id="{0D5AC413-BB23-8DDC-56A9-1BEA3C32725F}"/>
+                <a16:creationId xmlns:a16="http://schemas.microsoft.com/office/drawing/2014/main" id="{858B58AA-8369-D29E-DAED-D30620E5AA4A}"/>
               </a:ext>
             </a:extLst>
           </p:cNvPr>
@@ -9981,28 +9730,34 @@
           <a:p>
             <a:r>
               <a:rPr lang="es-CR"/>
-              <a:t>Componentes Clave</a:t>
-            </a:r>
-          </a:p>
-        </p:txBody>
-      </p:sp>
-      <p:sp>
-        <p:nvSpPr>
-          <p:cNvPr id="3" name="Marcador de contenido 2">
+              <a:t>Patrón Composite</a:t>
+            </a:r>
+          </a:p>
+        </p:txBody>
+      </p:sp>
+      <p:sp>
+        <p:nvSpPr>
+          <p:cNvPr id="4" name="Marcador de contenido 2">
             <a:extLst>
               <a:ext uri="{FF2B5EF4-FFF2-40B4-BE49-F238E27FC236}">
-                <a16:creationId xmlns:a16="http://schemas.microsoft.com/office/drawing/2014/main" id="{D5C57F13-20F2-47E1-4961-A4AD5D116A38}"/>
+                <a16:creationId xmlns:a16="http://schemas.microsoft.com/office/drawing/2014/main" id="{40221D21-2094-CFF7-B4AB-4401162C818A}"/>
               </a:ext>
             </a:extLst>
           </p:cNvPr>
-          <p:cNvSpPr>
-            <a:spLocks noGrp="1"/>
-          </p:cNvSpPr>
-          <p:nvPr>
-            <p:ph idx="1"/>
-          </p:nvPr>
-        </p:nvSpPr>
-        <p:spPr/>
+          <p:cNvSpPr txBox="1">
+            <a:spLocks/>
+          </p:cNvSpPr>
+          <p:nvPr/>
+        </p:nvSpPr>
+        <p:spPr>
+          <a:xfrm>
+            <a:off x="5272538" y="2982685"/>
+            <a:ext cx="2453143" cy="1186545"/>
+          </a:xfrm>
+          <a:prstGeom prst="rect">
+            <a:avLst/>
+          </a:prstGeom>
+        </p:spPr>
         <p:style>
           <a:lnRef idx="2">
             <a:schemeClr val="accent1"/>
@@ -10018,40 +9773,528 @@
           </a:fontRef>
         </p:style>
         <p:txBody>
-          <a:bodyPr/>
-          <a:lstStyle/>
-          <a:p>
-            <a:pPr>
-              <a:buFont typeface="Wingdings" panose="05000000000000000000" pitchFamily="2" charset="2"/>
-              <a:buChar char="v"/>
+          <a:bodyPr lIns="91440" tIns="45720" rIns="91440" bIns="45720" anchor="ctr">
+            <a:normAutofit/>
+          </a:bodyPr>
+          <a:lstStyle>
+            <a:lvl1pPr marL="285750" indent="-285750" algn="l" defTabSz="457200" rtl="0" eaLnBrk="1" latinLnBrk="0" hangingPunct="1">
+              <a:spcBef>
+                <a:spcPct val="20000"/>
+              </a:spcBef>
+              <a:spcAft>
+                <a:spcPts val="600"/>
+              </a:spcAft>
+              <a:buClr>
+                <a:schemeClr val="accent1">
+                  <a:lumMod val="75000"/>
+                </a:schemeClr>
+              </a:buClr>
+              <a:buSzPct val="145000"/>
+              <a:buFont typeface="Arial"/>
+              <a:buChar char="•"/>
+              <a:defRPr sz="2400" kern="1200" cap="none">
+                <a:solidFill>
+                  <a:schemeClr val="dk1"/>
+                </a:solidFill>
+                <a:effectLst/>
+                <a:latin typeface="+mn-lt"/>
+                <a:ea typeface="+mn-ea"/>
+                <a:cs typeface="+mn-cs"/>
+              </a:defRPr>
+            </a:lvl1pPr>
+            <a:lvl2pPr marL="742950" indent="-285750" algn="l" defTabSz="457200" rtl="0" eaLnBrk="1" latinLnBrk="0" hangingPunct="1">
+              <a:spcBef>
+                <a:spcPct val="20000"/>
+              </a:spcBef>
+              <a:spcAft>
+                <a:spcPts val="600"/>
+              </a:spcAft>
+              <a:buClr>
+                <a:schemeClr val="accent1">
+                  <a:lumMod val="75000"/>
+                </a:schemeClr>
+              </a:buClr>
+              <a:buSzPct val="145000"/>
+              <a:buFont typeface="Arial"/>
+              <a:buChar char="•"/>
+              <a:defRPr sz="2000" kern="1200" cap="none">
+                <a:solidFill>
+                  <a:schemeClr val="dk1"/>
+                </a:solidFill>
+                <a:effectLst/>
+                <a:latin typeface="+mn-lt"/>
+                <a:ea typeface="+mn-ea"/>
+                <a:cs typeface="+mn-cs"/>
+              </a:defRPr>
+            </a:lvl2pPr>
+            <a:lvl3pPr marL="1200150" indent="-285750" algn="l" defTabSz="457200" rtl="0" eaLnBrk="1" latinLnBrk="0" hangingPunct="1">
+              <a:spcBef>
+                <a:spcPct val="20000"/>
+              </a:spcBef>
+              <a:spcAft>
+                <a:spcPts val="600"/>
+              </a:spcAft>
+              <a:buClr>
+                <a:schemeClr val="accent1">
+                  <a:lumMod val="75000"/>
+                </a:schemeClr>
+              </a:buClr>
+              <a:buSzPct val="145000"/>
+              <a:buFont typeface="Arial"/>
+              <a:buChar char="•"/>
+              <a:defRPr sz="1800" kern="1200" cap="none">
+                <a:solidFill>
+                  <a:schemeClr val="dk1"/>
+                </a:solidFill>
+                <a:effectLst/>
+                <a:latin typeface="+mn-lt"/>
+                <a:ea typeface="+mn-ea"/>
+                <a:cs typeface="+mn-cs"/>
+              </a:defRPr>
+            </a:lvl3pPr>
+            <a:lvl4pPr marL="1543050" indent="-171450" algn="l" defTabSz="457200" rtl="0" eaLnBrk="1" latinLnBrk="0" hangingPunct="1">
+              <a:spcBef>
+                <a:spcPct val="20000"/>
+              </a:spcBef>
+              <a:spcAft>
+                <a:spcPts val="600"/>
+              </a:spcAft>
+              <a:buClr>
+                <a:schemeClr val="accent1">
+                  <a:lumMod val="75000"/>
+                </a:schemeClr>
+              </a:buClr>
+              <a:buSzPct val="145000"/>
+              <a:buFont typeface="Arial"/>
+              <a:buChar char="•"/>
+              <a:defRPr sz="1600" kern="1200" cap="none">
+                <a:solidFill>
+                  <a:schemeClr val="dk1"/>
+                </a:solidFill>
+                <a:effectLst/>
+                <a:latin typeface="+mn-lt"/>
+                <a:ea typeface="+mn-ea"/>
+                <a:cs typeface="+mn-cs"/>
+              </a:defRPr>
+            </a:lvl4pPr>
+            <a:lvl5pPr marL="2000250" indent="-171450" algn="l" defTabSz="457200" rtl="0" eaLnBrk="1" latinLnBrk="0" hangingPunct="1">
+              <a:spcBef>
+                <a:spcPct val="20000"/>
+              </a:spcBef>
+              <a:spcAft>
+                <a:spcPts val="600"/>
+              </a:spcAft>
+              <a:buClr>
+                <a:schemeClr val="accent1">
+                  <a:lumMod val="75000"/>
+                </a:schemeClr>
+              </a:buClr>
+              <a:buSzPct val="145000"/>
+              <a:buFont typeface="Arial"/>
+              <a:buChar char="•"/>
+              <a:defRPr sz="1400" kern="1200" cap="none">
+                <a:solidFill>
+                  <a:schemeClr val="dk1"/>
+                </a:solidFill>
+                <a:effectLst/>
+                <a:latin typeface="+mn-lt"/>
+                <a:ea typeface="+mn-ea"/>
+                <a:cs typeface="+mn-cs"/>
+              </a:defRPr>
+            </a:lvl5pPr>
+            <a:lvl6pPr marL="2514600" indent="-228600" algn="l" defTabSz="457200" rtl="0" eaLnBrk="1" latinLnBrk="0" hangingPunct="1">
+              <a:spcBef>
+                <a:spcPct val="20000"/>
+              </a:spcBef>
+              <a:spcAft>
+                <a:spcPts val="600"/>
+              </a:spcAft>
+              <a:buClr>
+                <a:schemeClr val="accent1">
+                  <a:lumMod val="75000"/>
+                </a:schemeClr>
+              </a:buClr>
+              <a:buSzPct val="145000"/>
+              <a:buFont typeface="Arial"/>
+              <a:buChar char="•"/>
+              <a:defRPr sz="1400" kern="1200" cap="none">
+                <a:solidFill>
+                  <a:schemeClr val="dk1"/>
+                </a:solidFill>
+                <a:effectLst/>
+                <a:latin typeface="+mn-lt"/>
+                <a:ea typeface="+mn-ea"/>
+                <a:cs typeface="+mn-cs"/>
+              </a:defRPr>
+            </a:lvl6pPr>
+            <a:lvl7pPr marL="2971800" indent="-228600" algn="l" defTabSz="457200" rtl="0" eaLnBrk="1" latinLnBrk="0" hangingPunct="1">
+              <a:spcBef>
+                <a:spcPct val="20000"/>
+              </a:spcBef>
+              <a:spcAft>
+                <a:spcPts val="600"/>
+              </a:spcAft>
+              <a:buClr>
+                <a:schemeClr val="accent1">
+                  <a:lumMod val="75000"/>
+                </a:schemeClr>
+              </a:buClr>
+              <a:buSzPct val="145000"/>
+              <a:buFont typeface="Arial"/>
+              <a:buChar char="•"/>
+              <a:defRPr sz="1400" kern="1200" cap="none">
+                <a:solidFill>
+                  <a:schemeClr val="dk1"/>
+                </a:solidFill>
+                <a:effectLst/>
+                <a:latin typeface="+mn-lt"/>
+                <a:ea typeface="+mn-ea"/>
+                <a:cs typeface="+mn-cs"/>
+              </a:defRPr>
+            </a:lvl7pPr>
+            <a:lvl8pPr marL="3429000" indent="-228600" algn="l" defTabSz="457200" rtl="0" eaLnBrk="1" latinLnBrk="0" hangingPunct="1">
+              <a:spcBef>
+                <a:spcPct val="20000"/>
+              </a:spcBef>
+              <a:spcAft>
+                <a:spcPts val="600"/>
+              </a:spcAft>
+              <a:buClr>
+                <a:schemeClr val="accent1">
+                  <a:lumMod val="75000"/>
+                </a:schemeClr>
+              </a:buClr>
+              <a:buSzPct val="145000"/>
+              <a:buFont typeface="Arial"/>
+              <a:buChar char="•"/>
+              <a:defRPr sz="1400" kern="1200" cap="none">
+                <a:solidFill>
+                  <a:schemeClr val="dk1"/>
+                </a:solidFill>
+                <a:effectLst/>
+                <a:latin typeface="+mn-lt"/>
+                <a:ea typeface="+mn-ea"/>
+                <a:cs typeface="+mn-cs"/>
+              </a:defRPr>
+            </a:lvl8pPr>
+            <a:lvl9pPr marL="3886200" indent="-228600" algn="l" defTabSz="457200" rtl="0" eaLnBrk="1" latinLnBrk="0" hangingPunct="1">
+              <a:spcBef>
+                <a:spcPct val="20000"/>
+              </a:spcBef>
+              <a:spcAft>
+                <a:spcPts val="600"/>
+              </a:spcAft>
+              <a:buClr>
+                <a:schemeClr val="accent1">
+                  <a:lumMod val="75000"/>
+                </a:schemeClr>
+              </a:buClr>
+              <a:buSzPct val="145000"/>
+              <a:buFont typeface="Arial"/>
+              <a:buChar char="•"/>
+              <a:defRPr sz="1400" kern="1200" cap="none">
+                <a:solidFill>
+                  <a:schemeClr val="dk1"/>
+                </a:solidFill>
+                <a:effectLst/>
+                <a:latin typeface="+mn-lt"/>
+                <a:ea typeface="+mn-ea"/>
+                <a:cs typeface="+mn-cs"/>
+              </a:defRPr>
+            </a:lvl9pPr>
+          </a:lstStyle>
+          <a:p>
+            <a:pPr marL="0" indent="0" algn="ctr">
+              <a:buClr>
+                <a:srgbClr val="30ACEC">
+                  <a:lumMod val="75000"/>
+                </a:srgbClr>
+              </a:buClr>
+              <a:buNone/>
             </a:pPr>
             <a:r>
-              <a:rPr lang="es-CR"/>
-              <a:t>Componente</a:t>
-            </a:r>
-          </a:p>
-          <a:p>
-            <a:pPr>
-              <a:buFont typeface="Wingdings" panose="05000000000000000000" pitchFamily="2" charset="2"/>
-              <a:buChar char="v"/>
+              <a:rPr lang="es-CR" sz="2800"/>
+              <a:t>Propósito</a:t>
+            </a:r>
+            <a:endParaRPr lang="es-ES" sz="2800"/>
+          </a:p>
+        </p:txBody>
+      </p:sp>
+      <p:sp>
+        <p:nvSpPr>
+          <p:cNvPr id="7" name="Marcador de contenido 2">
+            <a:extLst>
+              <a:ext uri="{FF2B5EF4-FFF2-40B4-BE49-F238E27FC236}">
+                <a16:creationId xmlns:a16="http://schemas.microsoft.com/office/drawing/2014/main" id="{F5459E38-D720-D8DF-0E65-117085073A15}"/>
+              </a:ext>
+            </a:extLst>
+          </p:cNvPr>
+          <p:cNvSpPr txBox="1">
+            <a:spLocks/>
+          </p:cNvSpPr>
+          <p:nvPr/>
+        </p:nvSpPr>
+        <p:spPr>
+          <a:xfrm>
+            <a:off x="4935081" y="4561114"/>
+            <a:ext cx="3128056" cy="1186545"/>
+          </a:xfrm>
+          <a:prstGeom prst="rect">
+            <a:avLst/>
+          </a:prstGeom>
+        </p:spPr>
+        <p:style>
+          <a:lnRef idx="2">
+            <a:schemeClr val="accent1"/>
+          </a:lnRef>
+          <a:fillRef idx="1">
+            <a:schemeClr val="lt1"/>
+          </a:fillRef>
+          <a:effectRef idx="0">
+            <a:schemeClr val="accent1"/>
+          </a:effectRef>
+          <a:fontRef idx="minor">
+            <a:schemeClr val="dk1"/>
+          </a:fontRef>
+        </p:style>
+        <p:txBody>
+          <a:bodyPr vert="horz" lIns="91440" tIns="45720" rIns="91440" bIns="45720" rtlCol="0" anchor="ctr">
+            <a:normAutofit/>
+          </a:bodyPr>
+          <a:lstStyle>
+            <a:lvl1pPr marL="285750" indent="-285750" algn="l" defTabSz="457200" rtl="0" eaLnBrk="1" latinLnBrk="0" hangingPunct="1">
+              <a:spcBef>
+                <a:spcPct val="20000"/>
+              </a:spcBef>
+              <a:spcAft>
+                <a:spcPts val="600"/>
+              </a:spcAft>
+              <a:buClr>
+                <a:schemeClr val="accent1">
+                  <a:lumMod val="75000"/>
+                </a:schemeClr>
+              </a:buClr>
+              <a:buSzPct val="145000"/>
+              <a:buFont typeface="Arial"/>
+              <a:buChar char="•"/>
+              <a:defRPr sz="2400" kern="1200" cap="none">
+                <a:solidFill>
+                  <a:schemeClr val="dk1"/>
+                </a:solidFill>
+                <a:effectLst/>
+                <a:latin typeface="+mn-lt"/>
+                <a:ea typeface="+mn-ea"/>
+                <a:cs typeface="+mn-cs"/>
+              </a:defRPr>
+            </a:lvl1pPr>
+            <a:lvl2pPr marL="742950" indent="-285750" algn="l" defTabSz="457200" rtl="0" eaLnBrk="1" latinLnBrk="0" hangingPunct="1">
+              <a:spcBef>
+                <a:spcPct val="20000"/>
+              </a:spcBef>
+              <a:spcAft>
+                <a:spcPts val="600"/>
+              </a:spcAft>
+              <a:buClr>
+                <a:schemeClr val="accent1">
+                  <a:lumMod val="75000"/>
+                </a:schemeClr>
+              </a:buClr>
+              <a:buSzPct val="145000"/>
+              <a:buFont typeface="Arial"/>
+              <a:buChar char="•"/>
+              <a:defRPr sz="2000" kern="1200" cap="none">
+                <a:solidFill>
+                  <a:schemeClr val="dk1"/>
+                </a:solidFill>
+                <a:effectLst/>
+                <a:latin typeface="+mn-lt"/>
+                <a:ea typeface="+mn-ea"/>
+                <a:cs typeface="+mn-cs"/>
+              </a:defRPr>
+            </a:lvl2pPr>
+            <a:lvl3pPr marL="1200150" indent="-285750" algn="l" defTabSz="457200" rtl="0" eaLnBrk="1" latinLnBrk="0" hangingPunct="1">
+              <a:spcBef>
+                <a:spcPct val="20000"/>
+              </a:spcBef>
+              <a:spcAft>
+                <a:spcPts val="600"/>
+              </a:spcAft>
+              <a:buClr>
+                <a:schemeClr val="accent1">
+                  <a:lumMod val="75000"/>
+                </a:schemeClr>
+              </a:buClr>
+              <a:buSzPct val="145000"/>
+              <a:buFont typeface="Arial"/>
+              <a:buChar char="•"/>
+              <a:defRPr sz="1800" kern="1200" cap="none">
+                <a:solidFill>
+                  <a:schemeClr val="dk1"/>
+                </a:solidFill>
+                <a:effectLst/>
+                <a:latin typeface="+mn-lt"/>
+                <a:ea typeface="+mn-ea"/>
+                <a:cs typeface="+mn-cs"/>
+              </a:defRPr>
+            </a:lvl3pPr>
+            <a:lvl4pPr marL="1543050" indent="-171450" algn="l" defTabSz="457200" rtl="0" eaLnBrk="1" latinLnBrk="0" hangingPunct="1">
+              <a:spcBef>
+                <a:spcPct val="20000"/>
+              </a:spcBef>
+              <a:spcAft>
+                <a:spcPts val="600"/>
+              </a:spcAft>
+              <a:buClr>
+                <a:schemeClr val="accent1">
+                  <a:lumMod val="75000"/>
+                </a:schemeClr>
+              </a:buClr>
+              <a:buSzPct val="145000"/>
+              <a:buFont typeface="Arial"/>
+              <a:buChar char="•"/>
+              <a:defRPr sz="1600" kern="1200" cap="none">
+                <a:solidFill>
+                  <a:schemeClr val="dk1"/>
+                </a:solidFill>
+                <a:effectLst/>
+                <a:latin typeface="+mn-lt"/>
+                <a:ea typeface="+mn-ea"/>
+                <a:cs typeface="+mn-cs"/>
+              </a:defRPr>
+            </a:lvl4pPr>
+            <a:lvl5pPr marL="2000250" indent="-171450" algn="l" defTabSz="457200" rtl="0" eaLnBrk="1" latinLnBrk="0" hangingPunct="1">
+              <a:spcBef>
+                <a:spcPct val="20000"/>
+              </a:spcBef>
+              <a:spcAft>
+                <a:spcPts val="600"/>
+              </a:spcAft>
+              <a:buClr>
+                <a:schemeClr val="accent1">
+                  <a:lumMod val="75000"/>
+                </a:schemeClr>
+              </a:buClr>
+              <a:buSzPct val="145000"/>
+              <a:buFont typeface="Arial"/>
+              <a:buChar char="•"/>
+              <a:defRPr sz="1400" kern="1200" cap="none">
+                <a:solidFill>
+                  <a:schemeClr val="dk1"/>
+                </a:solidFill>
+                <a:effectLst/>
+                <a:latin typeface="+mn-lt"/>
+                <a:ea typeface="+mn-ea"/>
+                <a:cs typeface="+mn-cs"/>
+              </a:defRPr>
+            </a:lvl5pPr>
+            <a:lvl6pPr marL="2514600" indent="-228600" algn="l" defTabSz="457200" rtl="0" eaLnBrk="1" latinLnBrk="0" hangingPunct="1">
+              <a:spcBef>
+                <a:spcPct val="20000"/>
+              </a:spcBef>
+              <a:spcAft>
+                <a:spcPts val="600"/>
+              </a:spcAft>
+              <a:buClr>
+                <a:schemeClr val="accent1">
+                  <a:lumMod val="75000"/>
+                </a:schemeClr>
+              </a:buClr>
+              <a:buSzPct val="145000"/>
+              <a:buFont typeface="Arial"/>
+              <a:buChar char="•"/>
+              <a:defRPr sz="1400" kern="1200" cap="none">
+                <a:solidFill>
+                  <a:schemeClr val="dk1"/>
+                </a:solidFill>
+                <a:effectLst/>
+                <a:latin typeface="+mn-lt"/>
+                <a:ea typeface="+mn-ea"/>
+                <a:cs typeface="+mn-cs"/>
+              </a:defRPr>
+            </a:lvl6pPr>
+            <a:lvl7pPr marL="2971800" indent="-228600" algn="l" defTabSz="457200" rtl="0" eaLnBrk="1" latinLnBrk="0" hangingPunct="1">
+              <a:spcBef>
+                <a:spcPct val="20000"/>
+              </a:spcBef>
+              <a:spcAft>
+                <a:spcPts val="600"/>
+              </a:spcAft>
+              <a:buClr>
+                <a:schemeClr val="accent1">
+                  <a:lumMod val="75000"/>
+                </a:schemeClr>
+              </a:buClr>
+              <a:buSzPct val="145000"/>
+              <a:buFont typeface="Arial"/>
+              <a:buChar char="•"/>
+              <a:defRPr sz="1400" kern="1200" cap="none">
+                <a:solidFill>
+                  <a:schemeClr val="dk1"/>
+                </a:solidFill>
+                <a:effectLst/>
+                <a:latin typeface="+mn-lt"/>
+                <a:ea typeface="+mn-ea"/>
+                <a:cs typeface="+mn-cs"/>
+              </a:defRPr>
+            </a:lvl7pPr>
+            <a:lvl8pPr marL="3429000" indent="-228600" algn="l" defTabSz="457200" rtl="0" eaLnBrk="1" latinLnBrk="0" hangingPunct="1">
+              <a:spcBef>
+                <a:spcPct val="20000"/>
+              </a:spcBef>
+              <a:spcAft>
+                <a:spcPts val="600"/>
+              </a:spcAft>
+              <a:buClr>
+                <a:schemeClr val="accent1">
+                  <a:lumMod val="75000"/>
+                </a:schemeClr>
+              </a:buClr>
+              <a:buSzPct val="145000"/>
+              <a:buFont typeface="Arial"/>
+              <a:buChar char="•"/>
+              <a:defRPr sz="1400" kern="1200" cap="none">
+                <a:solidFill>
+                  <a:schemeClr val="dk1"/>
+                </a:solidFill>
+                <a:effectLst/>
+                <a:latin typeface="+mn-lt"/>
+                <a:ea typeface="+mn-ea"/>
+                <a:cs typeface="+mn-cs"/>
+              </a:defRPr>
+            </a:lvl8pPr>
+            <a:lvl9pPr marL="3886200" indent="-228600" algn="l" defTabSz="457200" rtl="0" eaLnBrk="1" latinLnBrk="0" hangingPunct="1">
+              <a:spcBef>
+                <a:spcPct val="20000"/>
+              </a:spcBef>
+              <a:spcAft>
+                <a:spcPts val="600"/>
+              </a:spcAft>
+              <a:buClr>
+                <a:schemeClr val="accent1">
+                  <a:lumMod val="75000"/>
+                </a:schemeClr>
+              </a:buClr>
+              <a:buSzPct val="145000"/>
+              <a:buFont typeface="Arial"/>
+              <a:buChar char="•"/>
+              <a:defRPr sz="1400" kern="1200" cap="none">
+                <a:solidFill>
+                  <a:schemeClr val="dk1"/>
+                </a:solidFill>
+                <a:effectLst/>
+                <a:latin typeface="+mn-lt"/>
+                <a:ea typeface="+mn-ea"/>
+                <a:cs typeface="+mn-cs"/>
+              </a:defRPr>
+            </a:lvl9pPr>
+          </a:lstStyle>
+          <a:p>
+            <a:pPr marL="0" indent="0" algn="ctr">
+              <a:buNone/>
             </a:pPr>
             <a:r>
-              <a:rPr lang="es-CR" err="1"/>
-              <a:t>Leaf</a:t>
-            </a:r>
-            <a:r>
-              <a:rPr lang="es-CR"/>
-              <a:t> (Hoja)</a:t>
-            </a:r>
-          </a:p>
-          <a:p>
-            <a:pPr>
-              <a:buFont typeface="Wingdings" panose="05000000000000000000" pitchFamily="2" charset="2"/>
-              <a:buChar char="v"/>
-            </a:pPr>
-            <a:r>
-              <a:rPr lang="es-CR"/>
-              <a:t>Composite</a:t>
+              <a:rPr lang="es-CR" sz="2800"/>
+              <a:t>¿Cómo funciona?</a:t>
             </a:r>
           </a:p>
         </p:txBody>
@@ -10059,20 +10302,20 @@
     </p:spTree>
     <p:extLst>
       <p:ext uri="{BB962C8B-B14F-4D97-AF65-F5344CB8AC3E}">
-        <p14:creationId xmlns:p14="http://schemas.microsoft.com/office/powerpoint/2010/main" val="4032170155"/>
+        <p14:creationId xmlns:p14="http://schemas.microsoft.com/office/powerpoint/2010/main" val="1755737927"/>
       </p:ext>
     </p:extLst>
   </p:cSld>
   <p:clrMapOvr>
     <a:masterClrMapping/>
   </p:clrMapOvr>
-  <mc:AlternateContent xmlns:mc="http://schemas.openxmlformats.org/markup-compatibility/2006">
-    <mc:Choice xmlns:p14="http://schemas.microsoft.com/office/powerpoint/2010/main" Requires="p14">
+  <mc:AlternateContent xmlns:mc="http://schemas.openxmlformats.org/markup-compatibility/2006" xmlns:p14="http://schemas.microsoft.com/office/powerpoint/2010/main">
+    <mc:Choice Requires="p14">
       <p:transition spd="slow" p14:dur="3400">
         <p14:reveal/>
       </p:transition>
     </mc:Choice>
-    <mc:Fallback>
+    <mc:Fallback xmlns="">
       <p:transition spd="slow">
         <p:fade/>
       </p:transition>
@@ -10100,6 +10343,160 @@
       </p:grpSpPr>
       <p:sp>
         <p:nvSpPr>
+          <p:cNvPr id="2" name="Título 1">
+            <a:extLst>
+              <a:ext uri="{FF2B5EF4-FFF2-40B4-BE49-F238E27FC236}">
+                <a16:creationId xmlns:a16="http://schemas.microsoft.com/office/drawing/2014/main" id="{0D5AC413-BB23-8DDC-56A9-1BEA3C32725F}"/>
+              </a:ext>
+            </a:extLst>
+          </p:cNvPr>
+          <p:cNvSpPr>
+            <a:spLocks noGrp="1"/>
+          </p:cNvSpPr>
+          <p:nvPr>
+            <p:ph type="title"/>
+          </p:nvPr>
+        </p:nvSpPr>
+        <p:spPr/>
+        <p:style>
+          <a:lnRef idx="3">
+            <a:schemeClr val="lt1"/>
+          </a:lnRef>
+          <a:fillRef idx="1">
+            <a:schemeClr val="dk1"/>
+          </a:fillRef>
+          <a:effectRef idx="1">
+            <a:schemeClr val="dk1"/>
+          </a:effectRef>
+          <a:fontRef idx="minor">
+            <a:schemeClr val="lt1"/>
+          </a:fontRef>
+        </p:style>
+        <p:txBody>
+          <a:bodyPr/>
+          <a:lstStyle/>
+          <a:p>
+            <a:r>
+              <a:rPr lang="es-CR"/>
+              <a:t>Componentes Clave</a:t>
+            </a:r>
+          </a:p>
+        </p:txBody>
+      </p:sp>
+      <p:sp>
+        <p:nvSpPr>
+          <p:cNvPr id="3" name="Marcador de contenido 2">
+            <a:extLst>
+              <a:ext uri="{FF2B5EF4-FFF2-40B4-BE49-F238E27FC236}">
+                <a16:creationId xmlns:a16="http://schemas.microsoft.com/office/drawing/2014/main" id="{D5C57F13-20F2-47E1-4961-A4AD5D116A38}"/>
+              </a:ext>
+            </a:extLst>
+          </p:cNvPr>
+          <p:cNvSpPr>
+            <a:spLocks noGrp="1"/>
+          </p:cNvSpPr>
+          <p:nvPr>
+            <p:ph idx="1"/>
+          </p:nvPr>
+        </p:nvSpPr>
+        <p:spPr/>
+        <p:style>
+          <a:lnRef idx="2">
+            <a:schemeClr val="accent1"/>
+          </a:lnRef>
+          <a:fillRef idx="1">
+            <a:schemeClr val="lt1"/>
+          </a:fillRef>
+          <a:effectRef idx="0">
+            <a:schemeClr val="accent1"/>
+          </a:effectRef>
+          <a:fontRef idx="minor">
+            <a:schemeClr val="dk1"/>
+          </a:fontRef>
+        </p:style>
+        <p:txBody>
+          <a:bodyPr/>
+          <a:lstStyle/>
+          <a:p>
+            <a:pPr>
+              <a:buFont typeface="Wingdings" panose="05000000000000000000" pitchFamily="2" charset="2"/>
+              <a:buChar char="v"/>
+            </a:pPr>
+            <a:r>
+              <a:rPr lang="es-CR"/>
+              <a:t>Componente</a:t>
+            </a:r>
+          </a:p>
+          <a:p>
+            <a:pPr>
+              <a:buFont typeface="Wingdings" panose="05000000000000000000" pitchFamily="2" charset="2"/>
+              <a:buChar char="v"/>
+            </a:pPr>
+            <a:r>
+              <a:rPr lang="es-CR" err="1"/>
+              <a:t>Leaf</a:t>
+            </a:r>
+            <a:r>
+              <a:rPr lang="es-CR"/>
+              <a:t> (Hoja)</a:t>
+            </a:r>
+          </a:p>
+          <a:p>
+            <a:pPr>
+              <a:buFont typeface="Wingdings" panose="05000000000000000000" pitchFamily="2" charset="2"/>
+              <a:buChar char="v"/>
+            </a:pPr>
+            <a:r>
+              <a:rPr lang="es-CR"/>
+              <a:t>Composite</a:t>
+            </a:r>
+          </a:p>
+        </p:txBody>
+      </p:sp>
+    </p:spTree>
+    <p:extLst>
+      <p:ext uri="{BB962C8B-B14F-4D97-AF65-F5344CB8AC3E}">
+        <p14:creationId xmlns:p14="http://schemas.microsoft.com/office/powerpoint/2010/main" val="4032170155"/>
+      </p:ext>
+    </p:extLst>
+  </p:cSld>
+  <p:clrMapOvr>
+    <a:masterClrMapping/>
+  </p:clrMapOvr>
+  <mc:AlternateContent xmlns:mc="http://schemas.openxmlformats.org/markup-compatibility/2006" xmlns:p14="http://schemas.microsoft.com/office/powerpoint/2010/main">
+    <mc:Choice Requires="p14">
+      <p:transition spd="slow" p14:dur="3400">
+        <p14:reveal/>
+      </p:transition>
+    </mc:Choice>
+    <mc:Fallback xmlns="">
+      <p:transition spd="slow">
+        <p:fade/>
+      </p:transition>
+    </mc:Fallback>
+  </mc:AlternateContent>
+</p:sld>
+</file>
+
+<file path=ppt/slides/slide8.xml><?xml version="1.0" encoding="utf-8"?>
+<p:sld xmlns:a="http://schemas.openxmlformats.org/drawingml/2006/main" xmlns:r="http://schemas.openxmlformats.org/officeDocument/2006/relationships" xmlns:p="http://schemas.openxmlformats.org/presentationml/2006/main">
+  <p:cSld>
+    <p:spTree>
+      <p:nvGrpSpPr>
+        <p:cNvPr id="1" name=""/>
+        <p:cNvGrpSpPr/>
+        <p:nvPr/>
+      </p:nvGrpSpPr>
+      <p:grpSpPr>
+        <a:xfrm>
+          <a:off x="0" y="0"/>
+          <a:ext cx="0" cy="0"/>
+          <a:chOff x="0" y="0"/>
+          <a:chExt cx="0" cy="0"/>
+        </a:xfrm>
+      </p:grpSpPr>
+      <p:sp>
+        <p:nvSpPr>
           <p:cNvPr id="6" name="Título 1">
             <a:extLst>
               <a:ext uri="{FF2B5EF4-FFF2-40B4-BE49-F238E27FC236}">
@@ -10571,13 +10968,251 @@
   <p:clrMapOvr>
     <a:masterClrMapping/>
   </p:clrMapOvr>
-  <mc:AlternateContent xmlns:mc="http://schemas.openxmlformats.org/markup-compatibility/2006">
-    <mc:Choice xmlns:p14="http://schemas.microsoft.com/office/powerpoint/2010/main" Requires="p14">
+  <mc:AlternateContent xmlns:mc="http://schemas.openxmlformats.org/markup-compatibility/2006" xmlns:p14="http://schemas.microsoft.com/office/powerpoint/2010/main">
+    <mc:Choice Requires="p14">
       <p:transition spd="slow" p14:dur="3400">
         <p14:reveal/>
       </p:transition>
     </mc:Choice>
-    <mc:Fallback>
+    <mc:Fallback xmlns="">
+      <p:transition spd="slow">
+        <p:fade/>
+      </p:transition>
+    </mc:Fallback>
+  </mc:AlternateContent>
+</p:sld>
+</file>
+
+<file path=ppt/slides/slide9.xml><?xml version="1.0" encoding="utf-8"?>
+<p:sld xmlns:a="http://schemas.openxmlformats.org/drawingml/2006/main" xmlns:r="http://schemas.openxmlformats.org/officeDocument/2006/relationships" xmlns:p="http://schemas.openxmlformats.org/presentationml/2006/main">
+  <p:cSld>
+    <p:spTree>
+      <p:nvGrpSpPr>
+        <p:cNvPr id="1" name=""/>
+        <p:cNvGrpSpPr/>
+        <p:nvPr/>
+      </p:nvGrpSpPr>
+      <p:grpSpPr>
+        <a:xfrm>
+          <a:off x="0" y="0"/>
+          <a:ext cx="0" cy="0"/>
+          <a:chOff x="0" y="0"/>
+          <a:chExt cx="0" cy="0"/>
+        </a:xfrm>
+      </p:grpSpPr>
+      <p:sp>
+        <p:nvSpPr>
+          <p:cNvPr id="2" name="Título 1">
+            <a:extLst>
+              <a:ext uri="{FF2B5EF4-FFF2-40B4-BE49-F238E27FC236}">
+                <a16:creationId xmlns:a16="http://schemas.microsoft.com/office/drawing/2014/main" id="{13855475-C72E-C456-CBE8-52C051450228}"/>
+              </a:ext>
+            </a:extLst>
+          </p:cNvPr>
+          <p:cNvSpPr>
+            <a:spLocks noGrp="1"/>
+          </p:cNvSpPr>
+          <p:nvPr>
+            <p:ph type="title"/>
+          </p:nvPr>
+        </p:nvSpPr>
+        <p:spPr/>
+        <p:style>
+          <a:lnRef idx="3">
+            <a:schemeClr val="lt1"/>
+          </a:lnRef>
+          <a:fillRef idx="1">
+            <a:schemeClr val="dk1"/>
+          </a:fillRef>
+          <a:effectRef idx="1">
+            <a:schemeClr val="dk1"/>
+          </a:effectRef>
+          <a:fontRef idx="minor">
+            <a:schemeClr val="lt1"/>
+          </a:fontRef>
+        </p:style>
+        <p:txBody>
+          <a:bodyPr/>
+          <a:lstStyle/>
+          <a:p>
+            <a:r>
+              <a:rPr lang="es-ES"/>
+              <a:t>Ejemplo Composite</a:t>
+            </a:r>
+          </a:p>
+        </p:txBody>
+      </p:sp>
+      <p:sp>
+        <p:nvSpPr>
+          <p:cNvPr id="4" name="Título 1">
+            <a:extLst>
+              <a:ext uri="{FF2B5EF4-FFF2-40B4-BE49-F238E27FC236}">
+                <a16:creationId xmlns:a16="http://schemas.microsoft.com/office/drawing/2014/main" id="{8A6BCDF0-F7AA-5E9F-A80A-43F00E851C7B}"/>
+              </a:ext>
+            </a:extLst>
+          </p:cNvPr>
+          <p:cNvSpPr txBox="1">
+            <a:spLocks/>
+          </p:cNvSpPr>
+          <p:nvPr/>
+        </p:nvSpPr>
+        <p:spPr>
+          <a:xfrm>
+            <a:off x="1484311" y="2852058"/>
+            <a:ext cx="10018713" cy="1752599"/>
+          </a:xfrm>
+          <a:prstGeom prst="rect">
+            <a:avLst/>
+          </a:prstGeom>
+        </p:spPr>
+        <p:style>
+          <a:lnRef idx="3">
+            <a:schemeClr val="lt1"/>
+          </a:lnRef>
+          <a:fillRef idx="1">
+            <a:schemeClr val="dk1"/>
+          </a:fillRef>
+          <a:effectRef idx="1">
+            <a:schemeClr val="dk1"/>
+          </a:effectRef>
+          <a:fontRef idx="minor">
+            <a:schemeClr val="lt1"/>
+          </a:fontRef>
+        </p:style>
+        <p:txBody>
+          <a:bodyPr vert="horz" lIns="91440" tIns="45720" rIns="91440" bIns="45720" rtlCol="0" anchor="ctr">
+            <a:normAutofit/>
+          </a:bodyPr>
+          <a:lstStyle>
+            <a:lvl1pPr algn="ctr" defTabSz="457200" rtl="0" eaLnBrk="1" latinLnBrk="0" hangingPunct="1">
+              <a:spcBef>
+                <a:spcPct val="0"/>
+              </a:spcBef>
+              <a:buNone/>
+              <a:defRPr sz="4000" kern="1200" cap="none">
+                <a:ln w="3175" cmpd="sng">
+                  <a:noFill/>
+                </a:ln>
+                <a:solidFill>
+                  <a:schemeClr val="lt1"/>
+                </a:solidFill>
+                <a:effectLst/>
+                <a:latin typeface="+mn-lt"/>
+                <a:ea typeface="+mn-ea"/>
+                <a:cs typeface="+mn-cs"/>
+              </a:defRPr>
+            </a:lvl1pPr>
+            <a:lvl2pPr eaLnBrk="1" hangingPunct="1">
+              <a:defRPr>
+                <a:solidFill>
+                  <a:schemeClr val="lt1"/>
+                </a:solidFill>
+                <a:latin typeface="+mn-lt"/>
+                <a:ea typeface="+mn-ea"/>
+                <a:cs typeface="+mn-cs"/>
+              </a:defRPr>
+            </a:lvl2pPr>
+            <a:lvl3pPr eaLnBrk="1" hangingPunct="1">
+              <a:defRPr>
+                <a:solidFill>
+                  <a:schemeClr val="lt1"/>
+                </a:solidFill>
+                <a:latin typeface="+mn-lt"/>
+                <a:ea typeface="+mn-ea"/>
+                <a:cs typeface="+mn-cs"/>
+              </a:defRPr>
+            </a:lvl3pPr>
+            <a:lvl4pPr eaLnBrk="1" hangingPunct="1">
+              <a:defRPr>
+                <a:solidFill>
+                  <a:schemeClr val="lt1"/>
+                </a:solidFill>
+                <a:latin typeface="+mn-lt"/>
+                <a:ea typeface="+mn-ea"/>
+                <a:cs typeface="+mn-cs"/>
+              </a:defRPr>
+            </a:lvl4pPr>
+            <a:lvl5pPr eaLnBrk="1" hangingPunct="1">
+              <a:defRPr>
+                <a:solidFill>
+                  <a:schemeClr val="lt1"/>
+                </a:solidFill>
+                <a:latin typeface="+mn-lt"/>
+                <a:ea typeface="+mn-ea"/>
+                <a:cs typeface="+mn-cs"/>
+              </a:defRPr>
+            </a:lvl5pPr>
+            <a:lvl6pPr eaLnBrk="1" hangingPunct="1">
+              <a:defRPr>
+                <a:solidFill>
+                  <a:schemeClr val="lt1"/>
+                </a:solidFill>
+                <a:latin typeface="+mn-lt"/>
+                <a:ea typeface="+mn-ea"/>
+                <a:cs typeface="+mn-cs"/>
+              </a:defRPr>
+            </a:lvl6pPr>
+            <a:lvl7pPr eaLnBrk="1" hangingPunct="1">
+              <a:defRPr>
+                <a:solidFill>
+                  <a:schemeClr val="lt1"/>
+                </a:solidFill>
+                <a:latin typeface="+mn-lt"/>
+                <a:ea typeface="+mn-ea"/>
+                <a:cs typeface="+mn-cs"/>
+              </a:defRPr>
+            </a:lvl7pPr>
+            <a:lvl8pPr eaLnBrk="1" hangingPunct="1">
+              <a:defRPr>
+                <a:solidFill>
+                  <a:schemeClr val="lt1"/>
+                </a:solidFill>
+                <a:latin typeface="+mn-lt"/>
+                <a:ea typeface="+mn-ea"/>
+                <a:cs typeface="+mn-cs"/>
+              </a:defRPr>
+            </a:lvl8pPr>
+            <a:lvl9pPr eaLnBrk="1" hangingPunct="1">
+              <a:defRPr>
+                <a:solidFill>
+                  <a:schemeClr val="lt1"/>
+                </a:solidFill>
+                <a:latin typeface="+mn-lt"/>
+                <a:ea typeface="+mn-ea"/>
+                <a:cs typeface="+mn-cs"/>
+              </a:defRPr>
+            </a:lvl9pPr>
+          </a:lstStyle>
+          <a:p>
+            <a:r>
+              <a:rPr lang="es-ES" sz="2400" dirty="0">
+                <a:ea typeface="+mn-lt"/>
+                <a:cs typeface="+mn-lt"/>
+                <a:hlinkClick r:id="rId2"/>
+              </a:rPr>
+              <a:t>https://drive.google.com/file/d/14lteNdSdPEhQuDolhLHFUfYTByj54X3g/view?usp=sharing</a:t>
+            </a:r>
+            <a:endParaRPr lang="es-ES"/>
+          </a:p>
+        </p:txBody>
+      </p:sp>
+    </p:spTree>
+    <p:extLst>
+      <p:ext uri="{BB962C8B-B14F-4D97-AF65-F5344CB8AC3E}">
+        <p14:creationId xmlns:p14="http://schemas.microsoft.com/office/powerpoint/2010/main" val="3581299962"/>
+      </p:ext>
+    </p:extLst>
+  </p:cSld>
+  <p:clrMapOvr>
+    <a:masterClrMapping/>
+  </p:clrMapOvr>
+  <mc:AlternateContent xmlns:mc="http://schemas.openxmlformats.org/markup-compatibility/2006" xmlns:p14="http://schemas.microsoft.com/office/powerpoint/2010/main">
+    <mc:Choice Requires="p14">
+      <p:transition spd="slow" p14:dur="3400">
+        <p14:reveal/>
+      </p:transition>
+    </mc:Choice>
+    <mc:Fallback xmlns="">
       <p:transition spd="slow">
         <p:fade/>
       </p:transition>
@@ -11399,11 +12034,12 @@
 </file>
 
 <file path=customXml/item1.xml><?xml version="1.0" encoding="utf-8"?>
-<p:properties xmlns:p="http://schemas.microsoft.com/office/2006/metadata/properties" xmlns:xsi="http://www.w3.org/2001/XMLSchema-instance" xmlns:pc="http://schemas.microsoft.com/office/infopath/2007/PartnerControls">
-  <documentManagement>
-    <MediaServiceKeyPoints xmlns="71af3243-3dd4-4a8d-8c0d-dd76da1f02a5" xsi:nil="true"/>
-  </documentManagement>
-</p:properties>
+<?mso-contentType ?>
+<FormTemplates xmlns="http://schemas.microsoft.com/sharepoint/v3/contenttype/forms">
+  <Display>DocumentLibraryForm</Display>
+  <Edit>DocumentLibraryForm</Edit>
+  <New>DocumentLibraryForm</New>
+</FormTemplates>
 </file>
 
 <file path=customXml/item2.xml><?xml version="1.0" encoding="utf-8"?>
@@ -11618,20 +12254,17 @@
 </file>
 
 <file path=customXml/item3.xml><?xml version="1.0" encoding="utf-8"?>
-<?mso-contentType ?>
-<FormTemplates xmlns="http://schemas.microsoft.com/sharepoint/v3/contenttype/forms">
-  <Display>DocumentLibraryForm</Display>
-  <Edit>DocumentLibraryForm</Edit>
-  <New>DocumentLibraryForm</New>
-</FormTemplates>
+<p:properties xmlns:p="http://schemas.microsoft.com/office/2006/metadata/properties" xmlns:xsi="http://www.w3.org/2001/XMLSchema-instance" xmlns:pc="http://schemas.microsoft.com/office/infopath/2007/PartnerControls">
+  <documentManagement>
+    <MediaServiceKeyPoints xmlns="71af3243-3dd4-4a8d-8c0d-dd76da1f02a5" xsi:nil="true"/>
+  </documentManagement>
+</p:properties>
 </file>
 
 <file path=customXml/itemProps1.xml><?xml version="1.0" encoding="utf-8"?>
-<ds:datastoreItem xmlns:ds="http://schemas.openxmlformats.org/officeDocument/2006/customXml" ds:itemID="{D7023227-530E-4024-91EF-312A851A758C}">
+<ds:datastoreItem xmlns:ds="http://schemas.openxmlformats.org/officeDocument/2006/customXml" ds:itemID="{33315AA3-EAE3-44ED-8368-BAC2FFFB4817}">
   <ds:schemaRefs>
-    <ds:schemaRef ds:uri="71af3243-3dd4-4a8d-8c0d-dd76da1f02a5"/>
-    <ds:schemaRef ds:uri="http://schemas.microsoft.com/office/2006/metadata/properties"/>
-    <ds:schemaRef ds:uri="http://schemas.microsoft.com/office/infopath/2007/PartnerControls"/>
+    <ds:schemaRef ds:uri="http://schemas.microsoft.com/sharepoint/v3/contenttype/forms"/>
   </ds:schemaRefs>
 </ds:datastoreItem>
 </file>
@@ -11656,9 +12289,11 @@
 </file>
 
 <file path=customXml/itemProps3.xml><?xml version="1.0" encoding="utf-8"?>
-<ds:datastoreItem xmlns:ds="http://schemas.openxmlformats.org/officeDocument/2006/customXml" ds:itemID="{33315AA3-EAE3-44ED-8368-BAC2FFFB4817}">
+<ds:datastoreItem xmlns:ds="http://schemas.openxmlformats.org/officeDocument/2006/customXml" ds:itemID="{D7023227-530E-4024-91EF-312A851A758C}">
   <ds:schemaRefs>
-    <ds:schemaRef ds:uri="http://schemas.microsoft.com/sharepoint/v3/contenttype/forms"/>
+    <ds:schemaRef ds:uri="71af3243-3dd4-4a8d-8c0d-dd76da1f02a5"/>
+    <ds:schemaRef ds:uri="http://schemas.microsoft.com/office/2006/metadata/properties"/>
+    <ds:schemaRef ds:uri="http://schemas.microsoft.com/office/infopath/2007/PartnerControls"/>
   </ds:schemaRefs>
 </ds:datastoreItem>
 </file>